--- a/Clase 8/Clase 8.pptx
+++ b/Clase 8/Clase 8.pptx
@@ -1257,7 +1257,7 @@
           <a:p>
             <a:fld id="{7F8E3347-EFDA-483A-9E95-BDA4F3B6010F}" type="datetimeFigureOut">
               <a:rPr lang="en-US" smtClean="0"/>
-              <a:t>2/18/20</a:t>
+              <a:t>2/29/2020</a:t>
             </a:fld>
             <a:endParaRPr lang="en-US"/>
           </a:p>
@@ -1312,7 +1312,7 @@
                   <a:schemeClr val="dk2"/>
                 </a:solidFill>
               </a:rPr>
-              <a:t>‹#›</a:t>
+              <a:t>‹Nº›</a:t>
             </a:fld>
             <a:endParaRPr lang="es" sz="1000">
               <a:solidFill>
@@ -1483,7 +1483,7 @@
           <a:p>
             <a:fld id="{7F8E3347-EFDA-483A-9E95-BDA4F3B6010F}" type="datetimeFigureOut">
               <a:rPr lang="en-US" smtClean="0"/>
-              <a:t>2/18/20</a:t>
+              <a:t>2/29/2020</a:t>
             </a:fld>
             <a:endParaRPr lang="en-US"/>
           </a:p>
@@ -1538,7 +1538,7 @@
                   <a:schemeClr val="dk2"/>
                 </a:solidFill>
               </a:rPr>
-              <a:t>‹#›</a:t>
+              <a:t>‹Nº›</a:t>
             </a:fld>
             <a:endParaRPr lang="es" sz="1000">
               <a:solidFill>
@@ -1757,7 +1757,7 @@
           <a:p>
             <a:fld id="{7F8E3347-EFDA-483A-9E95-BDA4F3B6010F}" type="datetimeFigureOut">
               <a:rPr lang="en-US" smtClean="0"/>
-              <a:t>2/18/20</a:t>
+              <a:t>2/29/2020</a:t>
             </a:fld>
             <a:endParaRPr lang="en-US"/>
           </a:p>
@@ -1812,7 +1812,7 @@
                   <a:schemeClr val="dk2"/>
                 </a:solidFill>
               </a:rPr>
-              <a:t>‹#›</a:t>
+              <a:t>‹Nº›</a:t>
             </a:fld>
             <a:endParaRPr lang="es" sz="1000">
               <a:solidFill>
@@ -1945,7 +1945,7 @@
           <a:p>
             <a:fld id="{7F8E3347-EFDA-483A-9E95-BDA4F3B6010F}" type="datetimeFigureOut">
               <a:rPr lang="en-US" smtClean="0"/>
-              <a:t>2/18/20</a:t>
+              <a:t>2/29/2020</a:t>
             </a:fld>
             <a:endParaRPr lang="en-US"/>
           </a:p>
@@ -2000,7 +2000,7 @@
                   <a:schemeClr val="dk2"/>
                 </a:solidFill>
               </a:rPr>
-              <a:t>‹#›</a:t>
+              <a:t>‹Nº›</a:t>
             </a:fld>
             <a:endParaRPr lang="es" sz="1000">
               <a:solidFill>
@@ -2298,7 +2298,7 @@
           <a:p>
             <a:fld id="{7F8E3347-EFDA-483A-9E95-BDA4F3B6010F}" type="datetimeFigureOut">
               <a:rPr lang="en-US" smtClean="0"/>
-              <a:t>2/18/20</a:t>
+              <a:t>2/29/2020</a:t>
             </a:fld>
             <a:endParaRPr lang="en-US"/>
           </a:p>
@@ -2353,7 +2353,7 @@
                   <a:schemeClr val="dk2"/>
                 </a:solidFill>
               </a:rPr>
-              <a:t>‹#›</a:t>
+              <a:t>‹Nº›</a:t>
             </a:fld>
             <a:endParaRPr lang="es" sz="1000">
               <a:solidFill>
@@ -2591,7 +2591,7 @@
           <a:p>
             <a:fld id="{7F8E3347-EFDA-483A-9E95-BDA4F3B6010F}" type="datetimeFigureOut">
               <a:rPr lang="en-US" smtClean="0"/>
-              <a:t>2/18/20</a:t>
+              <a:t>2/29/2020</a:t>
             </a:fld>
             <a:endParaRPr lang="en-US"/>
           </a:p>
@@ -2646,7 +2646,7 @@
                   <a:schemeClr val="dk2"/>
                 </a:solidFill>
               </a:rPr>
-              <a:t>‹#›</a:t>
+              <a:t>‹Nº›</a:t>
             </a:fld>
             <a:endParaRPr lang="es" sz="1000">
               <a:solidFill>
@@ -2988,7 +2988,7 @@
           <a:p>
             <a:fld id="{7F8E3347-EFDA-483A-9E95-BDA4F3B6010F}" type="datetimeFigureOut">
               <a:rPr lang="en-US" smtClean="0"/>
-              <a:t>2/18/20</a:t>
+              <a:t>2/29/2020</a:t>
             </a:fld>
             <a:endParaRPr lang="en-US"/>
           </a:p>
@@ -3043,7 +3043,7 @@
                   <a:schemeClr val="dk2"/>
                 </a:solidFill>
               </a:rPr>
-              <a:t>‹#›</a:t>
+              <a:t>‹Nº›</a:t>
             </a:fld>
             <a:endParaRPr lang="es" sz="1000">
               <a:solidFill>
@@ -3124,7 +3124,7 @@
           <a:p>
             <a:fld id="{7F8E3347-EFDA-483A-9E95-BDA4F3B6010F}" type="datetimeFigureOut">
               <a:rPr lang="en-US" smtClean="0"/>
-              <a:t>2/18/20</a:t>
+              <a:t>2/29/2020</a:t>
             </a:fld>
             <a:endParaRPr lang="en-US"/>
           </a:p>
@@ -3179,7 +3179,7 @@
                   <a:schemeClr val="dk2"/>
                 </a:solidFill>
               </a:rPr>
-              <a:t>‹#›</a:t>
+              <a:t>‹Nº›</a:t>
             </a:fld>
             <a:endParaRPr lang="es" sz="1000">
               <a:solidFill>
@@ -3313,7 +3313,7 @@
           <a:p>
             <a:fld id="{7F8E3347-EFDA-483A-9E95-BDA4F3B6010F}" type="datetimeFigureOut">
               <a:rPr lang="en-US" smtClean="0"/>
-              <a:t>2/18/20</a:t>
+              <a:t>2/29/2020</a:t>
             </a:fld>
             <a:endParaRPr lang="en-US"/>
           </a:p>
@@ -3372,7 +3372,7 @@
             </a:pPr>
             <a:fld id="{00000000-1234-1234-1234-123412341234}" type="slidenum">
               <a:rPr lang="es" smtClean="0"/>
-              <a:t>‹#›</a:t>
+              <a:t>‹Nº›</a:t>
             </a:fld>
             <a:endParaRPr lang="es"/>
           </a:p>
@@ -3676,7 +3676,7 @@
           <a:p>
             <a:fld id="{7F8E3347-EFDA-483A-9E95-BDA4F3B6010F}" type="datetimeFigureOut">
               <a:rPr lang="en-US" smtClean="0"/>
-              <a:t>2/18/20</a:t>
+              <a:t>2/29/2020</a:t>
             </a:fld>
             <a:endParaRPr lang="en-US"/>
           </a:p>
@@ -3752,7 +3752,7 @@
                   <a:schemeClr val="dk2"/>
                 </a:solidFill>
               </a:rPr>
-              <a:t>‹#›</a:t>
+              <a:t>‹Nº›</a:t>
             </a:fld>
             <a:endParaRPr lang="es" sz="1000">
               <a:solidFill>
@@ -4071,7 +4071,7 @@
           <a:p>
             <a:fld id="{7F8E3347-EFDA-483A-9E95-BDA4F3B6010F}" type="datetimeFigureOut">
               <a:rPr lang="en-US" smtClean="0"/>
-              <a:t>2/18/20</a:t>
+              <a:t>2/29/2020</a:t>
             </a:fld>
             <a:endParaRPr lang="en-US"/>
           </a:p>
@@ -4126,7 +4126,7 @@
                   <a:schemeClr val="dk2"/>
                 </a:solidFill>
               </a:rPr>
-              <a:t>‹#›</a:t>
+              <a:t>‹Nº›</a:t>
             </a:fld>
             <a:endParaRPr lang="es" sz="1000">
               <a:solidFill>
@@ -4376,7 +4376,7 @@
           <a:p>
             <a:fld id="{7F8E3347-EFDA-483A-9E95-BDA4F3B6010F}" type="datetimeFigureOut">
               <a:rPr lang="en-US" smtClean="0"/>
-              <a:t>2/18/20</a:t>
+              <a:t>2/29/2020</a:t>
             </a:fld>
             <a:endParaRPr lang="en-US"/>
           </a:p>
@@ -4463,7 +4463,7 @@
                   <a:schemeClr val="dk2"/>
                 </a:solidFill>
               </a:rPr>
-              <a:t>‹#›</a:t>
+              <a:t>‹Nº›</a:t>
             </a:fld>
             <a:endParaRPr lang="es" sz="1000">
               <a:solidFill>
@@ -22951,7 +22951,7 @@
           <a:p>
             <a:r>
               <a:rPr lang="es-ES" dirty="0"/>
-              <a:t>Permisos</a:t>
+              <a:t>Geolocalización</a:t>
             </a:r>
             <a:endParaRPr lang="es-CO" dirty="0"/>
           </a:p>
@@ -23446,7 +23446,7 @@
           <a:p>
             <a:r>
               <a:rPr lang="es-ES" dirty="0"/>
-              <a:t>Permisos</a:t>
+              <a:t>Geolocalización</a:t>
             </a:r>
             <a:endParaRPr lang="es-CO" dirty="0"/>
           </a:p>
@@ -23875,7 +23875,7 @@
           <a:p>
             <a:r>
               <a:rPr lang="es-ES" dirty="0"/>
-              <a:t>Permisos</a:t>
+              <a:t>Geolocalización</a:t>
             </a:r>
             <a:endParaRPr lang="es-CO" dirty="0"/>
           </a:p>

--- a/Clase 8/Clase 8.pptx
+++ b/Clase 8/Clase 8.pptx
@@ -5,7 +5,7 @@
     <p:sldMasterId id="2147483660" r:id="rId1"/>
   </p:sldMasterIdLst>
   <p:notesMasterIdLst>
-    <p:notesMasterId r:id="rId58"/>
+    <p:notesMasterId r:id="rId57"/>
   </p:notesMasterIdLst>
   <p:sldIdLst>
     <p:sldId id="256" r:id="rId2"/>
@@ -63,7 +63,6 @@
     <p:sldId id="373" r:id="rId54"/>
     <p:sldId id="374" r:id="rId55"/>
     <p:sldId id="375" r:id="rId56"/>
-    <p:sldId id="376" r:id="rId57"/>
   </p:sldIdLst>
   <p:sldSz cx="9144000" cy="5143500" type="screen16x9"/>
   <p:notesSz cx="6858000" cy="9144000"/>
@@ -1257,7 +1256,7 @@
           <a:p>
             <a:fld id="{7F8E3347-EFDA-483A-9E95-BDA4F3B6010F}" type="datetimeFigureOut">
               <a:rPr lang="en-US" smtClean="0"/>
-              <a:t>2/29/2020</a:t>
+              <a:t>3/10/20</a:t>
             </a:fld>
             <a:endParaRPr lang="en-US"/>
           </a:p>
@@ -1312,7 +1311,7 @@
                   <a:schemeClr val="dk2"/>
                 </a:solidFill>
               </a:rPr>
-              <a:t>‹Nº›</a:t>
+              <a:t>‹#›</a:t>
             </a:fld>
             <a:endParaRPr lang="es" sz="1000">
               <a:solidFill>
@@ -1483,7 +1482,7 @@
           <a:p>
             <a:fld id="{7F8E3347-EFDA-483A-9E95-BDA4F3B6010F}" type="datetimeFigureOut">
               <a:rPr lang="en-US" smtClean="0"/>
-              <a:t>2/29/2020</a:t>
+              <a:t>3/10/20</a:t>
             </a:fld>
             <a:endParaRPr lang="en-US"/>
           </a:p>
@@ -1538,7 +1537,7 @@
                   <a:schemeClr val="dk2"/>
                 </a:solidFill>
               </a:rPr>
-              <a:t>‹Nº›</a:t>
+              <a:t>‹#›</a:t>
             </a:fld>
             <a:endParaRPr lang="es" sz="1000">
               <a:solidFill>
@@ -1757,7 +1756,7 @@
           <a:p>
             <a:fld id="{7F8E3347-EFDA-483A-9E95-BDA4F3B6010F}" type="datetimeFigureOut">
               <a:rPr lang="en-US" smtClean="0"/>
-              <a:t>2/29/2020</a:t>
+              <a:t>3/10/20</a:t>
             </a:fld>
             <a:endParaRPr lang="en-US"/>
           </a:p>
@@ -1812,7 +1811,7 @@
                   <a:schemeClr val="dk2"/>
                 </a:solidFill>
               </a:rPr>
-              <a:t>‹Nº›</a:t>
+              <a:t>‹#›</a:t>
             </a:fld>
             <a:endParaRPr lang="es" sz="1000">
               <a:solidFill>
@@ -1945,7 +1944,7 @@
           <a:p>
             <a:fld id="{7F8E3347-EFDA-483A-9E95-BDA4F3B6010F}" type="datetimeFigureOut">
               <a:rPr lang="en-US" smtClean="0"/>
-              <a:t>2/29/2020</a:t>
+              <a:t>3/10/20</a:t>
             </a:fld>
             <a:endParaRPr lang="en-US"/>
           </a:p>
@@ -2000,7 +1999,7 @@
                   <a:schemeClr val="dk2"/>
                 </a:solidFill>
               </a:rPr>
-              <a:t>‹Nº›</a:t>
+              <a:t>‹#›</a:t>
             </a:fld>
             <a:endParaRPr lang="es" sz="1000">
               <a:solidFill>
@@ -2298,7 +2297,7 @@
           <a:p>
             <a:fld id="{7F8E3347-EFDA-483A-9E95-BDA4F3B6010F}" type="datetimeFigureOut">
               <a:rPr lang="en-US" smtClean="0"/>
-              <a:t>2/29/2020</a:t>
+              <a:t>3/10/20</a:t>
             </a:fld>
             <a:endParaRPr lang="en-US"/>
           </a:p>
@@ -2353,7 +2352,7 @@
                   <a:schemeClr val="dk2"/>
                 </a:solidFill>
               </a:rPr>
-              <a:t>‹Nº›</a:t>
+              <a:t>‹#›</a:t>
             </a:fld>
             <a:endParaRPr lang="es" sz="1000">
               <a:solidFill>
@@ -2591,7 +2590,7 @@
           <a:p>
             <a:fld id="{7F8E3347-EFDA-483A-9E95-BDA4F3B6010F}" type="datetimeFigureOut">
               <a:rPr lang="en-US" smtClean="0"/>
-              <a:t>2/29/2020</a:t>
+              <a:t>3/10/20</a:t>
             </a:fld>
             <a:endParaRPr lang="en-US"/>
           </a:p>
@@ -2646,7 +2645,7 @@
                   <a:schemeClr val="dk2"/>
                 </a:solidFill>
               </a:rPr>
-              <a:t>‹Nº›</a:t>
+              <a:t>‹#›</a:t>
             </a:fld>
             <a:endParaRPr lang="es" sz="1000">
               <a:solidFill>
@@ -2988,7 +2987,7 @@
           <a:p>
             <a:fld id="{7F8E3347-EFDA-483A-9E95-BDA4F3B6010F}" type="datetimeFigureOut">
               <a:rPr lang="en-US" smtClean="0"/>
-              <a:t>2/29/2020</a:t>
+              <a:t>3/10/20</a:t>
             </a:fld>
             <a:endParaRPr lang="en-US"/>
           </a:p>
@@ -3043,7 +3042,7 @@
                   <a:schemeClr val="dk2"/>
                 </a:solidFill>
               </a:rPr>
-              <a:t>‹Nº›</a:t>
+              <a:t>‹#›</a:t>
             </a:fld>
             <a:endParaRPr lang="es" sz="1000">
               <a:solidFill>
@@ -3124,7 +3123,7 @@
           <a:p>
             <a:fld id="{7F8E3347-EFDA-483A-9E95-BDA4F3B6010F}" type="datetimeFigureOut">
               <a:rPr lang="en-US" smtClean="0"/>
-              <a:t>2/29/2020</a:t>
+              <a:t>3/10/20</a:t>
             </a:fld>
             <a:endParaRPr lang="en-US"/>
           </a:p>
@@ -3179,7 +3178,7 @@
                   <a:schemeClr val="dk2"/>
                 </a:solidFill>
               </a:rPr>
-              <a:t>‹Nº›</a:t>
+              <a:t>‹#›</a:t>
             </a:fld>
             <a:endParaRPr lang="es" sz="1000">
               <a:solidFill>
@@ -3313,7 +3312,7 @@
           <a:p>
             <a:fld id="{7F8E3347-EFDA-483A-9E95-BDA4F3B6010F}" type="datetimeFigureOut">
               <a:rPr lang="en-US" smtClean="0"/>
-              <a:t>2/29/2020</a:t>
+              <a:t>3/10/20</a:t>
             </a:fld>
             <a:endParaRPr lang="en-US"/>
           </a:p>
@@ -3372,7 +3371,7 @@
             </a:pPr>
             <a:fld id="{00000000-1234-1234-1234-123412341234}" type="slidenum">
               <a:rPr lang="es" smtClean="0"/>
-              <a:t>‹Nº›</a:t>
+              <a:t>‹#›</a:t>
             </a:fld>
             <a:endParaRPr lang="es"/>
           </a:p>
@@ -3676,7 +3675,7 @@
           <a:p>
             <a:fld id="{7F8E3347-EFDA-483A-9E95-BDA4F3B6010F}" type="datetimeFigureOut">
               <a:rPr lang="en-US" smtClean="0"/>
-              <a:t>2/29/2020</a:t>
+              <a:t>3/10/20</a:t>
             </a:fld>
             <a:endParaRPr lang="en-US"/>
           </a:p>
@@ -3752,7 +3751,7 @@
                   <a:schemeClr val="dk2"/>
                 </a:solidFill>
               </a:rPr>
-              <a:t>‹Nº›</a:t>
+              <a:t>‹#›</a:t>
             </a:fld>
             <a:endParaRPr lang="es" sz="1000">
               <a:solidFill>
@@ -4071,7 +4070,7 @@
           <a:p>
             <a:fld id="{7F8E3347-EFDA-483A-9E95-BDA4F3B6010F}" type="datetimeFigureOut">
               <a:rPr lang="en-US" smtClean="0"/>
-              <a:t>2/29/2020</a:t>
+              <a:t>3/10/20</a:t>
             </a:fld>
             <a:endParaRPr lang="en-US"/>
           </a:p>
@@ -4126,7 +4125,7 @@
                   <a:schemeClr val="dk2"/>
                 </a:solidFill>
               </a:rPr>
-              <a:t>‹Nº›</a:t>
+              <a:t>‹#›</a:t>
             </a:fld>
             <a:endParaRPr lang="es" sz="1000">
               <a:solidFill>
@@ -4376,7 +4375,7 @@
           <a:p>
             <a:fld id="{7F8E3347-EFDA-483A-9E95-BDA4F3B6010F}" type="datetimeFigureOut">
               <a:rPr lang="en-US" smtClean="0"/>
-              <a:t>2/29/2020</a:t>
+              <a:t>3/10/20</a:t>
             </a:fld>
             <a:endParaRPr lang="en-US"/>
           </a:p>
@@ -4463,7 +4462,7 @@
                   <a:schemeClr val="dk2"/>
                 </a:solidFill>
               </a:rPr>
-              <a:t>‹Nº›</a:t>
+              <a:t>‹#›</a:t>
             </a:fld>
             <a:endParaRPr lang="es" sz="1000">
               <a:solidFill>
@@ -26171,66 +26170,6 @@
           <a:chExt cx="0" cy="0"/>
         </a:xfrm>
       </p:grpSpPr>
-      <p:cxnSp>
-        <p:nvCxnSpPr>
-          <p:cNvPr id="32" name="Conector recto 31"/>
-          <p:cNvCxnSpPr/>
-          <p:nvPr/>
-        </p:nvCxnSpPr>
-        <p:spPr>
-          <a:xfrm>
-            <a:off x="6372200" y="2931790"/>
-            <a:ext cx="432048" cy="0"/>
-          </a:xfrm>
-          <a:prstGeom prst="line">
-            <a:avLst/>
-          </a:prstGeom>
-        </p:spPr>
-        <p:style>
-          <a:lnRef idx="1">
-            <a:schemeClr val="accent1"/>
-          </a:lnRef>
-          <a:fillRef idx="0">
-            <a:schemeClr val="accent1"/>
-          </a:fillRef>
-          <a:effectRef idx="0">
-            <a:schemeClr val="accent1"/>
-          </a:effectRef>
-          <a:fontRef idx="minor">
-            <a:schemeClr val="tx1"/>
-          </a:fontRef>
-        </p:style>
-      </p:cxnSp>
-      <p:cxnSp>
-        <p:nvCxnSpPr>
-          <p:cNvPr id="30" name="Conector recto 29"/>
-          <p:cNvCxnSpPr/>
-          <p:nvPr/>
-        </p:nvCxnSpPr>
-        <p:spPr>
-          <a:xfrm>
-            <a:off x="5724128" y="2931790"/>
-            <a:ext cx="432048" cy="0"/>
-          </a:xfrm>
-          <a:prstGeom prst="line">
-            <a:avLst/>
-          </a:prstGeom>
-        </p:spPr>
-        <p:style>
-          <a:lnRef idx="1">
-            <a:schemeClr val="accent1"/>
-          </a:lnRef>
-          <a:fillRef idx="0">
-            <a:schemeClr val="accent1"/>
-          </a:fillRef>
-          <a:effectRef idx="0">
-            <a:schemeClr val="accent1"/>
-          </a:effectRef>
-          <a:fontRef idx="minor">
-            <a:schemeClr val="tx1"/>
-          </a:fontRef>
-        </p:style>
-      </p:cxnSp>
       <p:sp>
         <p:nvSpPr>
           <p:cNvPr id="2" name="Título 1"/>
@@ -26311,46 +26250,6 @@
               </a:solidFill>
               <a:latin typeface="Arial Narrow" panose="020B0606020202030204" pitchFamily="34" charset="0"/>
             </a:endParaRPr>
-          </a:p>
-        </p:txBody>
-      </p:sp>
-      <p:sp>
-        <p:nvSpPr>
-          <p:cNvPr id="13" name="Elipse 12"/>
-          <p:cNvSpPr/>
-          <p:nvPr/>
-        </p:nvSpPr>
-        <p:spPr>
-          <a:xfrm>
-            <a:off x="6084168" y="2723897"/>
-            <a:ext cx="360040" cy="360040"/>
-          </a:xfrm>
-          <a:prstGeom prst="ellipse">
-            <a:avLst/>
-          </a:prstGeom>
-        </p:spPr>
-        <p:style>
-          <a:lnRef idx="2">
-            <a:schemeClr val="accent1">
-              <a:shade val="50000"/>
-            </a:schemeClr>
-          </a:lnRef>
-          <a:fillRef idx="1">
-            <a:schemeClr val="accent1"/>
-          </a:fillRef>
-          <a:effectRef idx="0">
-            <a:schemeClr val="accent1"/>
-          </a:effectRef>
-          <a:fontRef idx="minor">
-            <a:schemeClr val="lt1"/>
-          </a:fontRef>
-        </p:style>
-        <p:txBody>
-          <a:bodyPr rtlCol="0" anchor="ctr"/>
-          <a:lstStyle/>
-          <a:p>
-            <a:pPr algn="ctr"/>
-            <a:endParaRPr lang="es-CO"/>
           </a:p>
         </p:txBody>
       </p:sp>
@@ -26403,7 +26302,7 @@
         </p:nvSpPr>
         <p:spPr>
           <a:xfrm>
-            <a:off x="4211960" y="1779662"/>
+            <a:off x="5580113" y="1779662"/>
             <a:ext cx="1656184" cy="2304256"/>
           </a:xfrm>
           <a:prstGeom prst="rect">
@@ -26435,46 +26334,6 @@
           </a:p>
         </p:txBody>
       </p:sp>
-      <p:sp>
-        <p:nvSpPr>
-          <p:cNvPr id="7" name="Rectángulo 6"/>
-          <p:cNvSpPr/>
-          <p:nvPr/>
-        </p:nvSpPr>
-        <p:spPr>
-          <a:xfrm>
-            <a:off x="6710576" y="1779662"/>
-            <a:ext cx="1656184" cy="2304256"/>
-          </a:xfrm>
-          <a:prstGeom prst="rect">
-            <a:avLst/>
-          </a:prstGeom>
-        </p:spPr>
-        <p:style>
-          <a:lnRef idx="2">
-            <a:schemeClr val="accent1">
-              <a:shade val="50000"/>
-            </a:schemeClr>
-          </a:lnRef>
-          <a:fillRef idx="1">
-            <a:schemeClr val="accent1"/>
-          </a:fillRef>
-          <a:effectRef idx="0">
-            <a:schemeClr val="accent1"/>
-          </a:effectRef>
-          <a:fontRef idx="minor">
-            <a:schemeClr val="lt1"/>
-          </a:fontRef>
-        </p:style>
-        <p:txBody>
-          <a:bodyPr rtlCol="0" anchor="ctr"/>
-          <a:lstStyle/>
-          <a:p>
-            <a:pPr algn="ctr"/>
-            <a:endParaRPr lang="es-CO"/>
-          </a:p>
-        </p:txBody>
-      </p:sp>
       <p:pic>
         <p:nvPicPr>
           <p:cNvPr id="11" name="Imagen 10"/>
@@ -26490,76 +26349,12 @@
         </p:blipFill>
         <p:spPr>
           <a:xfrm>
-            <a:off x="4211959" y="1779662"/>
+            <a:off x="5580112" y="1779662"/>
             <a:ext cx="1656185" cy="2304256"/>
           </a:xfrm>
           <a:prstGeom prst="rect">
             <a:avLst/>
           </a:prstGeom>
-        </p:spPr>
-      </p:pic>
-      <p:pic>
-        <p:nvPicPr>
-          <p:cNvPr id="12" name="Imagen 11"/>
-          <p:cNvPicPr>
-            <a:picLocks noChangeAspect="1"/>
-          </p:cNvPicPr>
-          <p:nvPr/>
-        </p:nvPicPr>
-        <p:blipFill rotWithShape="1">
-          <a:blip r:embed="rId3"/>
-          <a:srcRect l="46618" r="-1048"/>
-          <a:stretch/>
-        </p:blipFill>
-        <p:spPr>
-          <a:xfrm>
-            <a:off x="6710576" y="1779662"/>
-            <a:ext cx="1656185" cy="2304256"/>
-          </a:xfrm>
-          <a:prstGeom prst="rect">
-            <a:avLst/>
-          </a:prstGeom>
-        </p:spPr>
-      </p:pic>
-      <p:pic>
-        <p:nvPicPr>
-          <p:cNvPr id="1026" name="Picture 2" descr="Resultado de imagen de link icon png&quot;"/>
-          <p:cNvPicPr>
-            <a:picLocks noChangeAspect="1" noChangeArrowheads="1"/>
-          </p:cNvPicPr>
-          <p:nvPr/>
-        </p:nvPicPr>
-        <p:blipFill>
-          <a:blip r:embed="rId4">
-            <a:extLst>
-              <a:ext uri="{28A0092B-C50C-407E-A947-70E740481C1C}">
-                <a14:useLocalDpi xmlns:a14="http://schemas.microsoft.com/office/drawing/2010/main" val="0"/>
-              </a:ext>
-            </a:extLst>
-          </a:blip>
-          <a:srcRect/>
-          <a:stretch>
-            <a:fillRect/>
-          </a:stretch>
-        </p:blipFill>
-        <p:spPr bwMode="auto">
-          <a:xfrm>
-            <a:off x="6156176" y="2787774"/>
-            <a:ext cx="223853" cy="223853"/>
-          </a:xfrm>
-          <a:prstGeom prst="rect">
-            <a:avLst/>
-          </a:prstGeom>
-          <a:noFill/>
-          <a:extLst>
-            <a:ext uri="{909E8E84-426E-40DD-AFC4-6F175D3DCCD1}">
-              <a14:hiddenFill xmlns:a14="http://schemas.microsoft.com/office/drawing/2010/main">
-                <a:solidFill>
-                  <a:srgbClr val="FFFFFF"/>
-                </a:solidFill>
-              </a14:hiddenFill>
-            </a:ext>
-          </a:extLst>
         </p:spPr>
       </p:pic>
       <p:sp>
@@ -26570,7 +26365,7 @@
         </p:nvSpPr>
         <p:spPr>
           <a:xfrm>
-            <a:off x="4261107" y="4198316"/>
+            <a:off x="5629260" y="4198316"/>
             <a:ext cx="1557887" cy="307777"/>
           </a:xfrm>
           <a:prstGeom prst="rect">
@@ -26586,12 +26381,12 @@
           <a:p>
             <a:pPr algn="ctr"/>
             <a:r>
-              <a:rPr lang="es-ES" dirty="0">
+              <a:rPr lang="es-ES" dirty="0" err="1">
                 <a:solidFill>
                   <a:schemeClr val="tx1"/>
                 </a:solidFill>
               </a:rPr>
-              <a:t>Aplicación 1</a:t>
+              <a:t>Activity</a:t>
             </a:r>
             <a:endParaRPr lang="es-CO" dirty="0">
               <a:solidFill>
@@ -26601,127 +26396,6 @@
           </a:p>
         </p:txBody>
       </p:sp>
-      <p:sp>
-        <p:nvSpPr>
-          <p:cNvPr id="34" name="CuadroTexto 33"/>
-          <p:cNvSpPr txBox="1"/>
-          <p:nvPr/>
-        </p:nvSpPr>
-        <p:spPr>
-          <a:xfrm>
-            <a:off x="6759724" y="4198315"/>
-            <a:ext cx="1557887" cy="307777"/>
-          </a:xfrm>
-          <a:prstGeom prst="rect">
-            <a:avLst/>
-          </a:prstGeom>
-          <a:noFill/>
-        </p:spPr>
-        <p:txBody>
-          <a:bodyPr wrap="square" rtlCol="0">
-            <a:spAutoFit/>
-          </a:bodyPr>
-          <a:lstStyle/>
-          <a:p>
-            <a:pPr algn="ctr"/>
-            <a:r>
-              <a:rPr lang="es-ES" dirty="0">
-                <a:solidFill>
-                  <a:schemeClr val="tx1"/>
-                </a:solidFill>
-              </a:rPr>
-              <a:t>Aplicación 2</a:t>
-            </a:r>
-            <a:endParaRPr lang="es-CO" dirty="0">
-              <a:solidFill>
-                <a:schemeClr val="tx1"/>
-              </a:solidFill>
-            </a:endParaRPr>
-          </a:p>
-        </p:txBody>
-      </p:sp>
-      <p:pic>
-        <p:nvPicPr>
-          <p:cNvPr id="1028" name="Picture 4" descr="Resultado de imagen de location icon png&quot;"/>
-          <p:cNvPicPr>
-            <a:picLocks noChangeAspect="1" noChangeArrowheads="1"/>
-          </p:cNvPicPr>
-          <p:nvPr/>
-        </p:nvPicPr>
-        <p:blipFill>
-          <a:blip r:embed="rId5">
-            <a:extLst>
-              <a:ext uri="{28A0092B-C50C-407E-A947-70E740481C1C}">
-                <a14:useLocalDpi xmlns:a14="http://schemas.microsoft.com/office/drawing/2010/main" val="0"/>
-              </a:ext>
-            </a:extLst>
-          </a:blip>
-          <a:srcRect/>
-          <a:stretch>
-            <a:fillRect/>
-          </a:stretch>
-        </p:blipFill>
-        <p:spPr bwMode="auto">
-          <a:xfrm>
-            <a:off x="4987318" y="2018214"/>
-            <a:ext cx="382048" cy="382048"/>
-          </a:xfrm>
-          <a:prstGeom prst="rect">
-            <a:avLst/>
-          </a:prstGeom>
-          <a:noFill/>
-          <a:extLst>
-            <a:ext uri="{909E8E84-426E-40DD-AFC4-6F175D3DCCD1}">
-              <a14:hiddenFill xmlns:a14="http://schemas.microsoft.com/office/drawing/2010/main">
-                <a:solidFill>
-                  <a:srgbClr val="FFFFFF"/>
-                </a:solidFill>
-              </a14:hiddenFill>
-            </a:ext>
-          </a:extLst>
-        </p:spPr>
-      </p:pic>
-      <p:pic>
-        <p:nvPicPr>
-          <p:cNvPr id="36" name="Picture 4" descr="Resultado de imagen de location icon png&quot;"/>
-          <p:cNvPicPr>
-            <a:picLocks noChangeAspect="1" noChangeArrowheads="1"/>
-          </p:cNvPicPr>
-          <p:nvPr/>
-        </p:nvPicPr>
-        <p:blipFill>
-          <a:blip r:embed="rId5">
-            <a:extLst>
-              <a:ext uri="{28A0092B-C50C-407E-A947-70E740481C1C}">
-                <a14:useLocalDpi xmlns:a14="http://schemas.microsoft.com/office/drawing/2010/main" val="0"/>
-              </a:ext>
-            </a:extLst>
-          </a:blip>
-          <a:srcRect/>
-          <a:stretch>
-            <a:fillRect/>
-          </a:stretch>
-        </p:blipFill>
-        <p:spPr bwMode="auto">
-          <a:xfrm>
-            <a:off x="6918780" y="2931790"/>
-            <a:ext cx="382048" cy="382048"/>
-          </a:xfrm>
-          <a:prstGeom prst="rect">
-            <a:avLst/>
-          </a:prstGeom>
-          <a:noFill/>
-          <a:extLst>
-            <a:ext uri="{909E8E84-426E-40DD-AFC4-6F175D3DCCD1}">
-              <a14:hiddenFill xmlns:a14="http://schemas.microsoft.com/office/drawing/2010/main">
-                <a:solidFill>
-                  <a:srgbClr val="FFFFFF"/>
-                </a:solidFill>
-              </a14:hiddenFill>
-            </a:ext>
-          </a:extLst>
-        </p:spPr>
-      </p:pic>
       <p:pic>
         <p:nvPicPr>
           <p:cNvPr id="38" name="Picture 4" descr="Resultado de imagen de location icon png&quot;"/>
@@ -26731,7 +26405,7 @@
           <p:nvPr/>
         </p:nvPicPr>
         <p:blipFill>
-          <a:blip r:embed="rId5">
+          <a:blip r:embed="rId4">
             <a:duotone>
               <a:schemeClr val="accent3">
                 <a:shade val="45000"/>
@@ -26752,7 +26426,7 @@
         </p:blipFill>
         <p:spPr bwMode="auto">
           <a:xfrm>
-            <a:off x="5259436" y="2924238"/>
+            <a:off x="6217179" y="2660627"/>
             <a:ext cx="382048" cy="382048"/>
           </a:xfrm>
           <a:prstGeom prst="rect">
@@ -26770,9 +26444,269 @@
           </a:extLst>
         </p:spPr>
       </p:pic>
+      <p:sp>
+        <p:nvSpPr>
+          <p:cNvPr id="3" name="Rectangle 2">
+            <a:extLst>
+              <a:ext uri="{FF2B5EF4-FFF2-40B4-BE49-F238E27FC236}">
+                <a16:creationId xmlns:a16="http://schemas.microsoft.com/office/drawing/2014/main" id="{01338BDA-CA69-4F48-A7E5-81EE6A06D2FB}"/>
+              </a:ext>
+            </a:extLst>
+          </p:cNvPr>
+          <p:cNvSpPr/>
+          <p:nvPr/>
+        </p:nvSpPr>
+        <p:spPr>
+          <a:xfrm>
+            <a:off x="5652120" y="1851670"/>
+            <a:ext cx="144016" cy="144016"/>
+          </a:xfrm>
+          <a:prstGeom prst="rect">
+            <a:avLst/>
+          </a:prstGeom>
+          <a:solidFill>
+            <a:schemeClr val="bg1"/>
+          </a:solidFill>
+        </p:spPr>
+        <p:style>
+          <a:lnRef idx="2">
+            <a:schemeClr val="accent1">
+              <a:shade val="50000"/>
+            </a:schemeClr>
+          </a:lnRef>
+          <a:fillRef idx="1">
+            <a:schemeClr val="accent1"/>
+          </a:fillRef>
+          <a:effectRef idx="0">
+            <a:schemeClr val="accent1"/>
+          </a:effectRef>
+          <a:fontRef idx="minor">
+            <a:schemeClr val="lt1"/>
+          </a:fontRef>
+        </p:style>
+        <p:txBody>
+          <a:bodyPr rtlCol="0" anchor="ctr"/>
+          <a:lstStyle/>
+          <a:p>
+            <a:pPr algn="ctr"/>
+            <a:endParaRPr lang="en-US"/>
+          </a:p>
+        </p:txBody>
+      </p:sp>
+      <p:sp>
+        <p:nvSpPr>
+          <p:cNvPr id="20" name="Rectangle 19">
+            <a:extLst>
+              <a:ext uri="{FF2B5EF4-FFF2-40B4-BE49-F238E27FC236}">
+                <a16:creationId xmlns:a16="http://schemas.microsoft.com/office/drawing/2014/main" id="{4DB2BB19-7169-6A4F-AC63-379133B53694}"/>
+              </a:ext>
+            </a:extLst>
+          </p:cNvPr>
+          <p:cNvSpPr/>
+          <p:nvPr/>
+        </p:nvSpPr>
+        <p:spPr>
+          <a:xfrm>
+            <a:off x="5652120" y="2066354"/>
+            <a:ext cx="144016" cy="144016"/>
+          </a:xfrm>
+          <a:prstGeom prst="rect">
+            <a:avLst/>
+          </a:prstGeom>
+          <a:solidFill>
+            <a:schemeClr val="bg1"/>
+          </a:solidFill>
+        </p:spPr>
+        <p:style>
+          <a:lnRef idx="2">
+            <a:schemeClr val="accent1">
+              <a:shade val="50000"/>
+            </a:schemeClr>
+          </a:lnRef>
+          <a:fillRef idx="1">
+            <a:schemeClr val="accent1"/>
+          </a:fillRef>
+          <a:effectRef idx="0">
+            <a:schemeClr val="accent1"/>
+          </a:effectRef>
+          <a:fontRef idx="minor">
+            <a:schemeClr val="lt1"/>
+          </a:fontRef>
+        </p:style>
+        <p:txBody>
+          <a:bodyPr rtlCol="0" anchor="ctr"/>
+          <a:lstStyle/>
+          <a:p>
+            <a:pPr algn="ctr"/>
+            <a:endParaRPr lang="en-US"/>
+          </a:p>
+        </p:txBody>
+      </p:sp>
+      <p:sp>
+        <p:nvSpPr>
+          <p:cNvPr id="21" name="Rectangle 20">
+            <a:extLst>
+              <a:ext uri="{FF2B5EF4-FFF2-40B4-BE49-F238E27FC236}">
+                <a16:creationId xmlns:a16="http://schemas.microsoft.com/office/drawing/2014/main" id="{658F2935-4B03-8E4E-8E82-0A5BEA60FFC1}"/>
+              </a:ext>
+            </a:extLst>
+          </p:cNvPr>
+          <p:cNvSpPr/>
+          <p:nvPr/>
+        </p:nvSpPr>
+        <p:spPr>
+          <a:xfrm>
+            <a:off x="5652120" y="2281038"/>
+            <a:ext cx="144016" cy="144016"/>
+          </a:xfrm>
+          <a:prstGeom prst="rect">
+            <a:avLst/>
+          </a:prstGeom>
+          <a:solidFill>
+            <a:schemeClr val="bg1"/>
+          </a:solidFill>
+        </p:spPr>
+        <p:style>
+          <a:lnRef idx="2">
+            <a:schemeClr val="accent1">
+              <a:shade val="50000"/>
+            </a:schemeClr>
+          </a:lnRef>
+          <a:fillRef idx="1">
+            <a:schemeClr val="accent1"/>
+          </a:fillRef>
+          <a:effectRef idx="0">
+            <a:schemeClr val="accent1"/>
+          </a:effectRef>
+          <a:fontRef idx="minor">
+            <a:schemeClr val="lt1"/>
+          </a:fontRef>
+        </p:style>
+        <p:txBody>
+          <a:bodyPr rtlCol="0" anchor="ctr"/>
+          <a:lstStyle/>
+          <a:p>
+            <a:pPr algn="ctr"/>
+            <a:endParaRPr lang="en-US"/>
+          </a:p>
+        </p:txBody>
+      </p:sp>
+      <p:sp>
+        <p:nvSpPr>
+          <p:cNvPr id="8" name="TextBox 7">
+            <a:extLst>
+              <a:ext uri="{FF2B5EF4-FFF2-40B4-BE49-F238E27FC236}">
+                <a16:creationId xmlns:a16="http://schemas.microsoft.com/office/drawing/2014/main" id="{3A78E780-7647-AE4E-BCE4-F34A33B6210F}"/>
+              </a:ext>
+            </a:extLst>
+          </p:cNvPr>
+          <p:cNvSpPr txBox="1"/>
+          <p:nvPr/>
+        </p:nvSpPr>
+        <p:spPr>
+          <a:xfrm>
+            <a:off x="5770883" y="1796496"/>
+            <a:ext cx="864096" cy="246221"/>
+          </a:xfrm>
+          <a:prstGeom prst="rect">
+            <a:avLst/>
+          </a:prstGeom>
+          <a:noFill/>
+        </p:spPr>
+        <p:txBody>
+          <a:bodyPr wrap="square" rtlCol="0">
+            <a:spAutoFit/>
+          </a:bodyPr>
+          <a:lstStyle/>
+          <a:p>
+            <a:r>
+              <a:rPr lang="en-US" sz="1000" dirty="0"/>
+              <a:t>Central</a:t>
+            </a:r>
+          </a:p>
+        </p:txBody>
+      </p:sp>
+      <p:sp>
+        <p:nvSpPr>
+          <p:cNvPr id="23" name="TextBox 22">
+            <a:extLst>
+              <a:ext uri="{FF2B5EF4-FFF2-40B4-BE49-F238E27FC236}">
+                <a16:creationId xmlns:a16="http://schemas.microsoft.com/office/drawing/2014/main" id="{6E376C2C-E391-704A-B4B7-481443C6E103}"/>
+              </a:ext>
+            </a:extLst>
+          </p:cNvPr>
+          <p:cNvSpPr txBox="1"/>
+          <p:nvPr/>
+        </p:nvSpPr>
+        <p:spPr>
+          <a:xfrm>
+            <a:off x="5790546" y="2009342"/>
+            <a:ext cx="864096" cy="246221"/>
+          </a:xfrm>
+          <a:prstGeom prst="rect">
+            <a:avLst/>
+          </a:prstGeom>
+          <a:noFill/>
+        </p:spPr>
+        <p:txBody>
+          <a:bodyPr wrap="square" rtlCol="0">
+            <a:spAutoFit/>
+          </a:bodyPr>
+          <a:lstStyle/>
+          <a:p>
+            <a:r>
+              <a:rPr lang="en-US" sz="1000" dirty="0" err="1"/>
+              <a:t>Samán</a:t>
+            </a:r>
+            <a:endParaRPr lang="en-US" sz="1000" dirty="0"/>
+          </a:p>
+        </p:txBody>
+      </p:sp>
+      <p:sp>
+        <p:nvSpPr>
+          <p:cNvPr id="24" name="TextBox 23">
+            <a:extLst>
+              <a:ext uri="{FF2B5EF4-FFF2-40B4-BE49-F238E27FC236}">
+                <a16:creationId xmlns:a16="http://schemas.microsoft.com/office/drawing/2014/main" id="{26692174-CDBF-3A45-8387-9A4D467C5F98}"/>
+              </a:ext>
+            </a:extLst>
+          </p:cNvPr>
+          <p:cNvSpPr txBox="1"/>
+          <p:nvPr/>
+        </p:nvSpPr>
+        <p:spPr>
+          <a:xfrm>
+            <a:off x="5790546" y="2221864"/>
+            <a:ext cx="864096" cy="246221"/>
+          </a:xfrm>
+          <a:prstGeom prst="rect">
+            <a:avLst/>
+          </a:prstGeom>
+          <a:noFill/>
+        </p:spPr>
+        <p:txBody>
+          <a:bodyPr wrap="square" rtlCol="0">
+            <a:spAutoFit/>
+          </a:bodyPr>
+          <a:lstStyle/>
+          <a:p>
+            <a:r>
+              <a:rPr lang="en-US" sz="1000" dirty="0" err="1"/>
+              <a:t>Auditorios</a:t>
+            </a:r>
+            <a:endParaRPr lang="en-US" sz="1000" dirty="0"/>
+          </a:p>
+        </p:txBody>
+      </p:sp>
       <p:pic>
         <p:nvPicPr>
-          <p:cNvPr id="39" name="Picture 4" descr="Resultado de imagen de location icon png&quot;"/>
+          <p:cNvPr id="9" name="Picture 2" descr="Resultado de imagen para chulo png">
+            <a:extLst>
+              <a:ext uri="{FF2B5EF4-FFF2-40B4-BE49-F238E27FC236}">
+                <a16:creationId xmlns:a16="http://schemas.microsoft.com/office/drawing/2014/main" id="{2FBA7098-40C8-9744-9FDD-C3FDB0FEA00B}"/>
+              </a:ext>
+            </a:extLst>
+          </p:cNvPr>
           <p:cNvPicPr>
             <a:picLocks noChangeAspect="1" noChangeArrowheads="1"/>
           </p:cNvPicPr>
@@ -26780,13 +26714,6 @@
         </p:nvPicPr>
         <p:blipFill>
           <a:blip r:embed="rId5">
-            <a:duotone>
-              <a:schemeClr val="accent3">
-                <a:shade val="45000"/>
-                <a:satMod val="135000"/>
-              </a:schemeClr>
-              <a:prstClr val="white"/>
-            </a:duotone>
             <a:extLst>
               <a:ext uri="{28A0092B-C50C-407E-A947-70E740481C1C}">
                 <a14:useLocalDpi xmlns:a14="http://schemas.microsoft.com/office/drawing/2010/main" val="0"/>
@@ -26800,8 +26727,55 @@
         </p:blipFill>
         <p:spPr bwMode="auto">
           <a:xfrm>
-            <a:off x="6677039" y="2038672"/>
-            <a:ext cx="382048" cy="382048"/>
+            <a:off x="5649104" y="1803945"/>
+            <a:ext cx="195046" cy="222439"/>
+          </a:xfrm>
+          <a:prstGeom prst="rect">
+            <a:avLst/>
+          </a:prstGeom>
+          <a:noFill/>
+          <a:extLst>
+            <a:ext uri="{909E8E84-426E-40DD-AFC4-6F175D3DCCD1}">
+              <a14:hiddenFill xmlns:a14="http://schemas.microsoft.com/office/drawing/2010/main">
+                <a:solidFill>
+                  <a:srgbClr val="FFFFFF"/>
+                </a:solidFill>
+              </a14:hiddenFill>
+            </a:ext>
+          </a:extLst>
+        </p:spPr>
+      </p:pic>
+      <p:pic>
+        <p:nvPicPr>
+          <p:cNvPr id="26" name="Picture 2" descr="Resultado de imagen para chulo png">
+            <a:extLst>
+              <a:ext uri="{FF2B5EF4-FFF2-40B4-BE49-F238E27FC236}">
+                <a16:creationId xmlns:a16="http://schemas.microsoft.com/office/drawing/2014/main" id="{38C2E90F-7A7F-D741-B09B-FBB206211195}"/>
+              </a:ext>
+            </a:extLst>
+          </p:cNvPr>
+          <p:cNvPicPr>
+            <a:picLocks noChangeAspect="1" noChangeArrowheads="1"/>
+          </p:cNvPicPr>
+          <p:nvPr/>
+        </p:nvPicPr>
+        <p:blipFill>
+          <a:blip r:embed="rId5">
+            <a:extLst>
+              <a:ext uri="{28A0092B-C50C-407E-A947-70E740481C1C}">
+                <a14:useLocalDpi xmlns:a14="http://schemas.microsoft.com/office/drawing/2010/main" val="0"/>
+              </a:ext>
+            </a:extLst>
+          </a:blip>
+          <a:srcRect/>
+          <a:stretch>
+            <a:fillRect/>
+          </a:stretch>
+        </p:blipFill>
+        <p:spPr bwMode="auto">
+          <a:xfrm>
+            <a:off x="5649467" y="2013208"/>
+            <a:ext cx="195046" cy="222439"/>
           </a:xfrm>
           <a:prstGeom prst="rect">
             <a:avLst/>
@@ -26848,66 +26822,6 @@
           <a:chExt cx="0" cy="0"/>
         </a:xfrm>
       </p:grpSpPr>
-      <p:cxnSp>
-        <p:nvCxnSpPr>
-          <p:cNvPr id="32" name="Conector recto 31"/>
-          <p:cNvCxnSpPr/>
-          <p:nvPr/>
-        </p:nvCxnSpPr>
-        <p:spPr>
-          <a:xfrm>
-            <a:off x="6372200" y="2931790"/>
-            <a:ext cx="432048" cy="0"/>
-          </a:xfrm>
-          <a:prstGeom prst="line">
-            <a:avLst/>
-          </a:prstGeom>
-        </p:spPr>
-        <p:style>
-          <a:lnRef idx="1">
-            <a:schemeClr val="accent1"/>
-          </a:lnRef>
-          <a:fillRef idx="0">
-            <a:schemeClr val="accent1"/>
-          </a:fillRef>
-          <a:effectRef idx="0">
-            <a:schemeClr val="accent1"/>
-          </a:effectRef>
-          <a:fontRef idx="minor">
-            <a:schemeClr val="tx1"/>
-          </a:fontRef>
-        </p:style>
-      </p:cxnSp>
-      <p:cxnSp>
-        <p:nvCxnSpPr>
-          <p:cNvPr id="30" name="Conector recto 29"/>
-          <p:cNvCxnSpPr/>
-          <p:nvPr/>
-        </p:nvCxnSpPr>
-        <p:spPr>
-          <a:xfrm>
-            <a:off x="5724128" y="2931790"/>
-            <a:ext cx="432048" cy="0"/>
-          </a:xfrm>
-          <a:prstGeom prst="line">
-            <a:avLst/>
-          </a:prstGeom>
-        </p:spPr>
-        <p:style>
-          <a:lnRef idx="1">
-            <a:schemeClr val="accent1"/>
-          </a:lnRef>
-          <a:fillRef idx="0">
-            <a:schemeClr val="accent1"/>
-          </a:fillRef>
-          <a:effectRef idx="0">
-            <a:schemeClr val="accent1"/>
-          </a:effectRef>
-          <a:fontRef idx="minor">
-            <a:schemeClr val="tx1"/>
-          </a:fontRef>
-        </p:style>
-      </p:cxnSp>
       <p:sp>
         <p:nvSpPr>
           <p:cNvPr id="2" name="Título 1"/>
@@ -26933,16 +26847,76 @@
       </p:sp>
       <p:sp>
         <p:nvSpPr>
-          <p:cNvPr id="13" name="Elipse 12"/>
+          <p:cNvPr id="15" name="Marcador de contenido 2"/>
+          <p:cNvSpPr>
+            <a:spLocks noGrp="1"/>
+          </p:cNvSpPr>
+          <p:nvPr>
+            <p:ph idx="1"/>
+          </p:nvPr>
+        </p:nvSpPr>
+        <p:spPr>
+          <a:xfrm>
+            <a:off x="899592" y="1384301"/>
+            <a:ext cx="3145491" cy="3017520"/>
+          </a:xfrm>
+        </p:spPr>
+        <p:txBody>
+          <a:bodyPr/>
+          <a:lstStyle/>
+          <a:p>
+            <a:r>
+              <a:rPr lang="es-ES" dirty="0"/>
+              <a:t>En parejas, cree una aplicación con una Actividad tipo Google </a:t>
+            </a:r>
+            <a:r>
+              <a:rPr lang="es-ES" dirty="0" err="1"/>
+              <a:t>Maps</a:t>
+            </a:r>
+            <a:r>
+              <a:rPr lang="es-ES" dirty="0"/>
+              <a:t>.</a:t>
+            </a:r>
+          </a:p>
+          <a:p>
+            <a:endParaRPr lang="es-ES" dirty="0"/>
+          </a:p>
+          <a:p>
+            <a:r>
+              <a:rPr lang="es-ES" dirty="0"/>
+              <a:t>Use un API KEY sin restricciones</a:t>
+            </a:r>
+          </a:p>
+          <a:p>
+            <a:endParaRPr lang="es-ES" dirty="0"/>
+          </a:p>
+          <a:p>
+            <a:r>
+              <a:rPr lang="es-ES" dirty="0"/>
+              <a:t>Luego, junto con su compañero cree una aplicación que sea capaz de ubicarlo a usted</a:t>
+            </a:r>
+            <a:endParaRPr lang="es-CO" dirty="0"/>
+          </a:p>
+        </p:txBody>
+      </p:sp>
+      <p:sp>
+        <p:nvSpPr>
+          <p:cNvPr id="40" name="Rectángulo 5">
+            <a:extLst>
+              <a:ext uri="{FF2B5EF4-FFF2-40B4-BE49-F238E27FC236}">
+                <a16:creationId xmlns:a16="http://schemas.microsoft.com/office/drawing/2014/main" id="{8597CE32-8EA3-504F-9F1B-92BEC23F11A3}"/>
+              </a:ext>
+            </a:extLst>
+          </p:cNvPr>
           <p:cNvSpPr/>
           <p:nvPr/>
         </p:nvSpPr>
         <p:spPr>
           <a:xfrm>
-            <a:off x="6084168" y="2723897"/>
-            <a:ext cx="360040" cy="360040"/>
-          </a:xfrm>
-          <a:prstGeom prst="ellipse">
+            <a:off x="5580113" y="1779662"/>
+            <a:ext cx="1656184" cy="2304256"/>
+          </a:xfrm>
+          <a:prstGeom prst="rect">
             <a:avLst/>
           </a:prstGeom>
         </p:spPr>
@@ -26971,89 +26945,15 @@
           </a:p>
         </p:txBody>
       </p:sp>
-      <p:sp>
-        <p:nvSpPr>
-          <p:cNvPr id="6" name="Rectángulo 5"/>
-          <p:cNvSpPr/>
-          <p:nvPr/>
-        </p:nvSpPr>
-        <p:spPr>
-          <a:xfrm>
-            <a:off x="4211960" y="1779662"/>
-            <a:ext cx="1656184" cy="2304256"/>
-          </a:xfrm>
-          <a:prstGeom prst="rect">
-            <a:avLst/>
-          </a:prstGeom>
-        </p:spPr>
-        <p:style>
-          <a:lnRef idx="2">
-            <a:schemeClr val="accent1">
-              <a:shade val="50000"/>
-            </a:schemeClr>
-          </a:lnRef>
-          <a:fillRef idx="1">
-            <a:schemeClr val="accent1"/>
-          </a:fillRef>
-          <a:effectRef idx="0">
-            <a:schemeClr val="accent1"/>
-          </a:effectRef>
-          <a:fontRef idx="minor">
-            <a:schemeClr val="lt1"/>
-          </a:fontRef>
-        </p:style>
-        <p:txBody>
-          <a:bodyPr rtlCol="0" anchor="ctr"/>
-          <a:lstStyle/>
-          <a:p>
-            <a:pPr algn="ctr"/>
-            <a:endParaRPr lang="es-CO"/>
-          </a:p>
-        </p:txBody>
-      </p:sp>
-      <p:sp>
-        <p:nvSpPr>
-          <p:cNvPr id="7" name="Rectángulo 6"/>
-          <p:cNvSpPr/>
-          <p:nvPr/>
-        </p:nvSpPr>
-        <p:spPr>
-          <a:xfrm>
-            <a:off x="6710576" y="1779662"/>
-            <a:ext cx="1656184" cy="2304256"/>
-          </a:xfrm>
-          <a:prstGeom prst="rect">
-            <a:avLst/>
-          </a:prstGeom>
-        </p:spPr>
-        <p:style>
-          <a:lnRef idx="2">
-            <a:schemeClr val="accent1">
-              <a:shade val="50000"/>
-            </a:schemeClr>
-          </a:lnRef>
-          <a:fillRef idx="1">
-            <a:schemeClr val="accent1"/>
-          </a:fillRef>
-          <a:effectRef idx="0">
-            <a:schemeClr val="accent1"/>
-          </a:effectRef>
-          <a:fontRef idx="minor">
-            <a:schemeClr val="lt1"/>
-          </a:fontRef>
-        </p:style>
-        <p:txBody>
-          <a:bodyPr rtlCol="0" anchor="ctr"/>
-          <a:lstStyle/>
-          <a:p>
-            <a:pPr algn="ctr"/>
-            <a:endParaRPr lang="es-CO"/>
-          </a:p>
-        </p:txBody>
-      </p:sp>
       <p:pic>
         <p:nvPicPr>
-          <p:cNvPr id="11" name="Imagen 10"/>
+          <p:cNvPr id="41" name="Imagen 10">
+            <a:extLst>
+              <a:ext uri="{FF2B5EF4-FFF2-40B4-BE49-F238E27FC236}">
+                <a16:creationId xmlns:a16="http://schemas.microsoft.com/office/drawing/2014/main" id="{A035B4BD-5026-024C-AC89-59BCE81D3D60}"/>
+              </a:ext>
+            </a:extLst>
+          </p:cNvPr>
           <p:cNvPicPr>
             <a:picLocks noChangeAspect="1"/>
           </p:cNvPicPr>
@@ -27066,7 +26966,7 @@
         </p:blipFill>
         <p:spPr>
           <a:xfrm>
-            <a:off x="4211959" y="1779662"/>
+            <a:off x="5580112" y="1779662"/>
             <a:ext cx="1656185" cy="2304256"/>
           </a:xfrm>
           <a:prstGeom prst="rect">
@@ -27074,79 +26974,21 @@
           </a:prstGeom>
         </p:spPr>
       </p:pic>
-      <p:pic>
-        <p:nvPicPr>
-          <p:cNvPr id="12" name="Imagen 11"/>
-          <p:cNvPicPr>
-            <a:picLocks noChangeAspect="1"/>
-          </p:cNvPicPr>
-          <p:nvPr/>
-        </p:nvPicPr>
-        <p:blipFill rotWithShape="1">
-          <a:blip r:embed="rId2"/>
-          <a:srcRect l="46618" r="-1048"/>
-          <a:stretch/>
-        </p:blipFill>
-        <p:spPr>
-          <a:xfrm>
-            <a:off x="6710576" y="1779662"/>
-            <a:ext cx="1656185" cy="2304256"/>
-          </a:xfrm>
-          <a:prstGeom prst="rect">
-            <a:avLst/>
-          </a:prstGeom>
-        </p:spPr>
-      </p:pic>
-      <p:pic>
-        <p:nvPicPr>
-          <p:cNvPr id="1026" name="Picture 2" descr="Resultado de imagen de link icon png&quot;"/>
-          <p:cNvPicPr>
-            <a:picLocks noChangeAspect="1" noChangeArrowheads="1"/>
-          </p:cNvPicPr>
-          <p:nvPr/>
-        </p:nvPicPr>
-        <p:blipFill>
-          <a:blip r:embed="rId3">
+      <p:sp>
+        <p:nvSpPr>
+          <p:cNvPr id="42" name="CuadroTexto 30">
             <a:extLst>
-              <a:ext uri="{28A0092B-C50C-407E-A947-70E740481C1C}">
-                <a14:useLocalDpi xmlns:a14="http://schemas.microsoft.com/office/drawing/2010/main" val="0"/>
+              <a:ext uri="{FF2B5EF4-FFF2-40B4-BE49-F238E27FC236}">
+                <a16:creationId xmlns:a16="http://schemas.microsoft.com/office/drawing/2014/main" id="{797DD819-BC94-BB44-9F7F-EC6AA8776E56}"/>
               </a:ext>
             </a:extLst>
-          </a:blip>
-          <a:srcRect/>
-          <a:stretch>
-            <a:fillRect/>
-          </a:stretch>
-        </p:blipFill>
-        <p:spPr bwMode="auto">
-          <a:xfrm>
-            <a:off x="6156176" y="2787774"/>
-            <a:ext cx="223853" cy="223853"/>
-          </a:xfrm>
-          <a:prstGeom prst="rect">
-            <a:avLst/>
-          </a:prstGeom>
-          <a:noFill/>
-          <a:extLst>
-            <a:ext uri="{909E8E84-426E-40DD-AFC4-6F175D3DCCD1}">
-              <a14:hiddenFill xmlns:a14="http://schemas.microsoft.com/office/drawing/2010/main">
-                <a:solidFill>
-                  <a:srgbClr val="FFFFFF"/>
-                </a:solidFill>
-              </a14:hiddenFill>
-            </a:ext>
-          </a:extLst>
-        </p:spPr>
-      </p:pic>
-      <p:sp>
-        <p:nvSpPr>
-          <p:cNvPr id="31" name="CuadroTexto 30"/>
+          </p:cNvPr>
           <p:cNvSpPr txBox="1"/>
           <p:nvPr/>
         </p:nvSpPr>
         <p:spPr>
           <a:xfrm>
-            <a:off x="4261107" y="4198316"/>
+            <a:off x="5629260" y="4198316"/>
             <a:ext cx="1557887" cy="307777"/>
           </a:xfrm>
           <a:prstGeom prst="rect">
@@ -27162,12 +27004,12 @@
           <a:p>
             <a:pPr algn="ctr"/>
             <a:r>
-              <a:rPr lang="es-ES" dirty="0">
+              <a:rPr lang="es-ES" dirty="0" err="1">
                 <a:solidFill>
                   <a:schemeClr val="tx1"/>
                 </a:solidFill>
               </a:rPr>
-              <a:t>Aplicación 1</a:t>
+              <a:t>Activity</a:t>
             </a:r>
             <a:endParaRPr lang="es-CO" dirty="0">
               <a:solidFill>
@@ -27177,191 +27019,22 @@
           </a:p>
         </p:txBody>
       </p:sp>
-      <p:sp>
-        <p:nvSpPr>
-          <p:cNvPr id="34" name="CuadroTexto 33"/>
-          <p:cNvSpPr txBox="1"/>
-          <p:nvPr/>
-        </p:nvSpPr>
-        <p:spPr>
-          <a:xfrm>
-            <a:off x="6759724" y="4198315"/>
-            <a:ext cx="1557887" cy="307777"/>
-          </a:xfrm>
-          <a:prstGeom prst="rect">
-            <a:avLst/>
-          </a:prstGeom>
-          <a:noFill/>
-        </p:spPr>
-        <p:txBody>
-          <a:bodyPr wrap="square" rtlCol="0">
-            <a:spAutoFit/>
-          </a:bodyPr>
-          <a:lstStyle/>
-          <a:p>
-            <a:pPr algn="ctr"/>
-            <a:r>
-              <a:rPr lang="es-ES" dirty="0">
-                <a:solidFill>
-                  <a:schemeClr val="tx1"/>
-                </a:solidFill>
-              </a:rPr>
-              <a:t>Aplicación 2</a:t>
-            </a:r>
-            <a:endParaRPr lang="es-CO" dirty="0">
-              <a:solidFill>
-                <a:schemeClr val="tx1"/>
-              </a:solidFill>
-            </a:endParaRPr>
-          </a:p>
-        </p:txBody>
-      </p:sp>
-      <p:sp>
-        <p:nvSpPr>
-          <p:cNvPr id="15" name="Marcador de contenido 2"/>
-          <p:cNvSpPr>
-            <a:spLocks noGrp="1"/>
-          </p:cNvSpPr>
-          <p:nvPr>
-            <p:ph idx="1"/>
-          </p:nvPr>
-        </p:nvSpPr>
-        <p:spPr>
-          <a:xfrm>
-            <a:off x="899592" y="1384301"/>
-            <a:ext cx="3145491" cy="3017520"/>
-          </a:xfrm>
-        </p:spPr>
-        <p:txBody>
-          <a:bodyPr/>
-          <a:lstStyle/>
-          <a:p>
-            <a:r>
-              <a:rPr lang="es-ES" dirty="0"/>
-              <a:t>En parejas, cree una aplicación con una Actividad tipo Google </a:t>
-            </a:r>
-            <a:r>
-              <a:rPr lang="es-ES" dirty="0" err="1"/>
-              <a:t>Maps</a:t>
-            </a:r>
-            <a:r>
-              <a:rPr lang="es-ES" dirty="0"/>
-              <a:t>.</a:t>
-            </a:r>
-          </a:p>
-          <a:p>
-            <a:endParaRPr lang="es-ES" dirty="0"/>
-          </a:p>
-          <a:p>
-            <a:r>
-              <a:rPr lang="es-ES" dirty="0"/>
-              <a:t>Use un API KEY sin restricciones</a:t>
-            </a:r>
-          </a:p>
-          <a:p>
-            <a:endParaRPr lang="es-ES" dirty="0"/>
-          </a:p>
-          <a:p>
-            <a:r>
-              <a:rPr lang="es-ES" dirty="0"/>
-              <a:t>Luego, junto con su compañero cree una aplicación que sea capaz de ubicarlo a usted</a:t>
-            </a:r>
-            <a:endParaRPr lang="es-CO" dirty="0"/>
-          </a:p>
-        </p:txBody>
-      </p:sp>
       <p:pic>
         <p:nvPicPr>
-          <p:cNvPr id="16" name="Picture 4" descr="Resultado de imagen de location icon png&quot;"/>
+          <p:cNvPr id="43" name="Picture 4" descr="Resultado de imagen de location icon png&quot;">
+            <a:extLst>
+              <a:ext uri="{FF2B5EF4-FFF2-40B4-BE49-F238E27FC236}">
+                <a16:creationId xmlns:a16="http://schemas.microsoft.com/office/drawing/2014/main" id="{19E98ABE-C57A-0F4C-A492-29152A6CA903}"/>
+              </a:ext>
+            </a:extLst>
+          </p:cNvPr>
           <p:cNvPicPr>
             <a:picLocks noChangeAspect="1" noChangeArrowheads="1"/>
           </p:cNvPicPr>
           <p:nvPr/>
         </p:nvPicPr>
         <p:blipFill>
-          <a:blip r:embed="rId4">
-            <a:extLst>
-              <a:ext uri="{28A0092B-C50C-407E-A947-70E740481C1C}">
-                <a14:useLocalDpi xmlns:a14="http://schemas.microsoft.com/office/drawing/2010/main" val="0"/>
-              </a:ext>
-            </a:extLst>
-          </a:blip>
-          <a:srcRect/>
-          <a:stretch>
-            <a:fillRect/>
-          </a:stretch>
-        </p:blipFill>
-        <p:spPr bwMode="auto">
-          <a:xfrm>
-            <a:off x="4987318" y="2018214"/>
-            <a:ext cx="382048" cy="382048"/>
-          </a:xfrm>
-          <a:prstGeom prst="rect">
-            <a:avLst/>
-          </a:prstGeom>
-          <a:noFill/>
-          <a:extLst>
-            <a:ext uri="{909E8E84-426E-40DD-AFC4-6F175D3DCCD1}">
-              <a14:hiddenFill xmlns:a14="http://schemas.microsoft.com/office/drawing/2010/main">
-                <a:solidFill>
-                  <a:srgbClr val="FFFFFF"/>
-                </a:solidFill>
-              </a14:hiddenFill>
-            </a:ext>
-          </a:extLst>
-        </p:spPr>
-      </p:pic>
-      <p:pic>
-        <p:nvPicPr>
-          <p:cNvPr id="17" name="Picture 4" descr="Resultado de imagen de location icon png&quot;"/>
-          <p:cNvPicPr>
-            <a:picLocks noChangeAspect="1" noChangeArrowheads="1"/>
-          </p:cNvPicPr>
-          <p:nvPr/>
-        </p:nvPicPr>
-        <p:blipFill>
-          <a:blip r:embed="rId4">
-            <a:extLst>
-              <a:ext uri="{28A0092B-C50C-407E-A947-70E740481C1C}">
-                <a14:useLocalDpi xmlns:a14="http://schemas.microsoft.com/office/drawing/2010/main" val="0"/>
-              </a:ext>
-            </a:extLst>
-          </a:blip>
-          <a:srcRect/>
-          <a:stretch>
-            <a:fillRect/>
-          </a:stretch>
-        </p:blipFill>
-        <p:spPr bwMode="auto">
-          <a:xfrm>
-            <a:off x="6918780" y="2931790"/>
-            <a:ext cx="382048" cy="382048"/>
-          </a:xfrm>
-          <a:prstGeom prst="rect">
-            <a:avLst/>
-          </a:prstGeom>
-          <a:noFill/>
-          <a:extLst>
-            <a:ext uri="{909E8E84-426E-40DD-AFC4-6F175D3DCCD1}">
-              <a14:hiddenFill xmlns:a14="http://schemas.microsoft.com/office/drawing/2010/main">
-                <a:solidFill>
-                  <a:srgbClr val="FFFFFF"/>
-                </a:solidFill>
-              </a14:hiddenFill>
-            </a:ext>
-          </a:extLst>
-        </p:spPr>
-      </p:pic>
-      <p:pic>
-        <p:nvPicPr>
-          <p:cNvPr id="18" name="Picture 4" descr="Resultado de imagen de location icon png&quot;"/>
-          <p:cNvPicPr>
-            <a:picLocks noChangeAspect="1" noChangeArrowheads="1"/>
-          </p:cNvPicPr>
-          <p:nvPr/>
-        </p:nvPicPr>
-        <p:blipFill>
-          <a:blip r:embed="rId4">
+          <a:blip r:embed="rId3">
             <a:duotone>
               <a:schemeClr val="accent3">
                 <a:shade val="45000"/>
@@ -27382,7 +27055,7 @@
         </p:blipFill>
         <p:spPr bwMode="auto">
           <a:xfrm>
-            <a:off x="5259436" y="2924238"/>
+            <a:off x="6217179" y="2660627"/>
             <a:ext cx="382048" cy="382048"/>
           </a:xfrm>
           <a:prstGeom prst="rect">
@@ -27400,9 +27073,269 @@
           </a:extLst>
         </p:spPr>
       </p:pic>
+      <p:sp>
+        <p:nvSpPr>
+          <p:cNvPr id="44" name="Rectangle 43">
+            <a:extLst>
+              <a:ext uri="{FF2B5EF4-FFF2-40B4-BE49-F238E27FC236}">
+                <a16:creationId xmlns:a16="http://schemas.microsoft.com/office/drawing/2014/main" id="{14C582BB-922F-4540-83AB-89D0CDF189C3}"/>
+              </a:ext>
+            </a:extLst>
+          </p:cNvPr>
+          <p:cNvSpPr/>
+          <p:nvPr/>
+        </p:nvSpPr>
+        <p:spPr>
+          <a:xfrm>
+            <a:off x="5652120" y="1851670"/>
+            <a:ext cx="144016" cy="144016"/>
+          </a:xfrm>
+          <a:prstGeom prst="rect">
+            <a:avLst/>
+          </a:prstGeom>
+          <a:solidFill>
+            <a:schemeClr val="bg1"/>
+          </a:solidFill>
+        </p:spPr>
+        <p:style>
+          <a:lnRef idx="2">
+            <a:schemeClr val="accent1">
+              <a:shade val="50000"/>
+            </a:schemeClr>
+          </a:lnRef>
+          <a:fillRef idx="1">
+            <a:schemeClr val="accent1"/>
+          </a:fillRef>
+          <a:effectRef idx="0">
+            <a:schemeClr val="accent1"/>
+          </a:effectRef>
+          <a:fontRef idx="minor">
+            <a:schemeClr val="lt1"/>
+          </a:fontRef>
+        </p:style>
+        <p:txBody>
+          <a:bodyPr rtlCol="0" anchor="ctr"/>
+          <a:lstStyle/>
+          <a:p>
+            <a:pPr algn="ctr"/>
+            <a:endParaRPr lang="en-US"/>
+          </a:p>
+        </p:txBody>
+      </p:sp>
+      <p:sp>
+        <p:nvSpPr>
+          <p:cNvPr id="45" name="Rectangle 44">
+            <a:extLst>
+              <a:ext uri="{FF2B5EF4-FFF2-40B4-BE49-F238E27FC236}">
+                <a16:creationId xmlns:a16="http://schemas.microsoft.com/office/drawing/2014/main" id="{C8830366-FC96-8F4D-A35C-41D856DC9155}"/>
+              </a:ext>
+            </a:extLst>
+          </p:cNvPr>
+          <p:cNvSpPr/>
+          <p:nvPr/>
+        </p:nvSpPr>
+        <p:spPr>
+          <a:xfrm>
+            <a:off x="5652120" y="2066354"/>
+            <a:ext cx="144016" cy="144016"/>
+          </a:xfrm>
+          <a:prstGeom prst="rect">
+            <a:avLst/>
+          </a:prstGeom>
+          <a:solidFill>
+            <a:schemeClr val="bg1"/>
+          </a:solidFill>
+        </p:spPr>
+        <p:style>
+          <a:lnRef idx="2">
+            <a:schemeClr val="accent1">
+              <a:shade val="50000"/>
+            </a:schemeClr>
+          </a:lnRef>
+          <a:fillRef idx="1">
+            <a:schemeClr val="accent1"/>
+          </a:fillRef>
+          <a:effectRef idx="0">
+            <a:schemeClr val="accent1"/>
+          </a:effectRef>
+          <a:fontRef idx="minor">
+            <a:schemeClr val="lt1"/>
+          </a:fontRef>
+        </p:style>
+        <p:txBody>
+          <a:bodyPr rtlCol="0" anchor="ctr"/>
+          <a:lstStyle/>
+          <a:p>
+            <a:pPr algn="ctr"/>
+            <a:endParaRPr lang="en-US"/>
+          </a:p>
+        </p:txBody>
+      </p:sp>
+      <p:sp>
+        <p:nvSpPr>
+          <p:cNvPr id="46" name="Rectangle 45">
+            <a:extLst>
+              <a:ext uri="{FF2B5EF4-FFF2-40B4-BE49-F238E27FC236}">
+                <a16:creationId xmlns:a16="http://schemas.microsoft.com/office/drawing/2014/main" id="{276B9365-937C-3B4C-B348-D37CD8506325}"/>
+              </a:ext>
+            </a:extLst>
+          </p:cNvPr>
+          <p:cNvSpPr/>
+          <p:nvPr/>
+        </p:nvSpPr>
+        <p:spPr>
+          <a:xfrm>
+            <a:off x="5652120" y="2281038"/>
+            <a:ext cx="144016" cy="144016"/>
+          </a:xfrm>
+          <a:prstGeom prst="rect">
+            <a:avLst/>
+          </a:prstGeom>
+          <a:solidFill>
+            <a:schemeClr val="bg1"/>
+          </a:solidFill>
+        </p:spPr>
+        <p:style>
+          <a:lnRef idx="2">
+            <a:schemeClr val="accent1">
+              <a:shade val="50000"/>
+            </a:schemeClr>
+          </a:lnRef>
+          <a:fillRef idx="1">
+            <a:schemeClr val="accent1"/>
+          </a:fillRef>
+          <a:effectRef idx="0">
+            <a:schemeClr val="accent1"/>
+          </a:effectRef>
+          <a:fontRef idx="minor">
+            <a:schemeClr val="lt1"/>
+          </a:fontRef>
+        </p:style>
+        <p:txBody>
+          <a:bodyPr rtlCol="0" anchor="ctr"/>
+          <a:lstStyle/>
+          <a:p>
+            <a:pPr algn="ctr"/>
+            <a:endParaRPr lang="en-US"/>
+          </a:p>
+        </p:txBody>
+      </p:sp>
+      <p:sp>
+        <p:nvSpPr>
+          <p:cNvPr id="47" name="TextBox 46">
+            <a:extLst>
+              <a:ext uri="{FF2B5EF4-FFF2-40B4-BE49-F238E27FC236}">
+                <a16:creationId xmlns:a16="http://schemas.microsoft.com/office/drawing/2014/main" id="{EE0025A7-4233-E840-AF06-9A83496701D4}"/>
+              </a:ext>
+            </a:extLst>
+          </p:cNvPr>
+          <p:cNvSpPr txBox="1"/>
+          <p:nvPr/>
+        </p:nvSpPr>
+        <p:spPr>
+          <a:xfrm>
+            <a:off x="5770883" y="1796496"/>
+            <a:ext cx="864096" cy="246221"/>
+          </a:xfrm>
+          <a:prstGeom prst="rect">
+            <a:avLst/>
+          </a:prstGeom>
+          <a:noFill/>
+        </p:spPr>
+        <p:txBody>
+          <a:bodyPr wrap="square" rtlCol="0">
+            <a:spAutoFit/>
+          </a:bodyPr>
+          <a:lstStyle/>
+          <a:p>
+            <a:r>
+              <a:rPr lang="en-US" sz="1000" dirty="0"/>
+              <a:t>Central</a:t>
+            </a:r>
+          </a:p>
+        </p:txBody>
+      </p:sp>
+      <p:sp>
+        <p:nvSpPr>
+          <p:cNvPr id="48" name="TextBox 47">
+            <a:extLst>
+              <a:ext uri="{FF2B5EF4-FFF2-40B4-BE49-F238E27FC236}">
+                <a16:creationId xmlns:a16="http://schemas.microsoft.com/office/drawing/2014/main" id="{53728087-29FB-B04C-B53A-6AFEFF1B48D6}"/>
+              </a:ext>
+            </a:extLst>
+          </p:cNvPr>
+          <p:cNvSpPr txBox="1"/>
+          <p:nvPr/>
+        </p:nvSpPr>
+        <p:spPr>
+          <a:xfrm>
+            <a:off x="5790546" y="2009342"/>
+            <a:ext cx="864096" cy="246221"/>
+          </a:xfrm>
+          <a:prstGeom prst="rect">
+            <a:avLst/>
+          </a:prstGeom>
+          <a:noFill/>
+        </p:spPr>
+        <p:txBody>
+          <a:bodyPr wrap="square" rtlCol="0">
+            <a:spAutoFit/>
+          </a:bodyPr>
+          <a:lstStyle/>
+          <a:p>
+            <a:r>
+              <a:rPr lang="en-US" sz="1000" dirty="0" err="1"/>
+              <a:t>Samán</a:t>
+            </a:r>
+            <a:endParaRPr lang="en-US" sz="1000" dirty="0"/>
+          </a:p>
+        </p:txBody>
+      </p:sp>
+      <p:sp>
+        <p:nvSpPr>
+          <p:cNvPr id="49" name="TextBox 48">
+            <a:extLst>
+              <a:ext uri="{FF2B5EF4-FFF2-40B4-BE49-F238E27FC236}">
+                <a16:creationId xmlns:a16="http://schemas.microsoft.com/office/drawing/2014/main" id="{378491E7-C4EE-0E48-848E-B191B484D537}"/>
+              </a:ext>
+            </a:extLst>
+          </p:cNvPr>
+          <p:cNvSpPr txBox="1"/>
+          <p:nvPr/>
+        </p:nvSpPr>
+        <p:spPr>
+          <a:xfrm>
+            <a:off x="5790546" y="2221864"/>
+            <a:ext cx="864096" cy="246221"/>
+          </a:xfrm>
+          <a:prstGeom prst="rect">
+            <a:avLst/>
+          </a:prstGeom>
+          <a:noFill/>
+        </p:spPr>
+        <p:txBody>
+          <a:bodyPr wrap="square" rtlCol="0">
+            <a:spAutoFit/>
+          </a:bodyPr>
+          <a:lstStyle/>
+          <a:p>
+            <a:r>
+              <a:rPr lang="en-US" sz="1000" dirty="0" err="1"/>
+              <a:t>Auditorios</a:t>
+            </a:r>
+            <a:endParaRPr lang="en-US" sz="1000" dirty="0"/>
+          </a:p>
+        </p:txBody>
+      </p:sp>
       <p:pic>
         <p:nvPicPr>
-          <p:cNvPr id="19" name="Picture 4" descr="Resultado de imagen de location icon png&quot;"/>
+          <p:cNvPr id="50" name="Picture 2" descr="Resultado de imagen para chulo png">
+            <a:extLst>
+              <a:ext uri="{FF2B5EF4-FFF2-40B4-BE49-F238E27FC236}">
+                <a16:creationId xmlns:a16="http://schemas.microsoft.com/office/drawing/2014/main" id="{2CEE6079-8A80-3143-A64A-C921A87D9691}"/>
+              </a:ext>
+            </a:extLst>
+          </p:cNvPr>
           <p:cNvPicPr>
             <a:picLocks noChangeAspect="1" noChangeArrowheads="1"/>
           </p:cNvPicPr>
@@ -27410,13 +27343,6 @@
         </p:nvPicPr>
         <p:blipFill>
           <a:blip r:embed="rId4">
-            <a:duotone>
-              <a:schemeClr val="accent3">
-                <a:shade val="45000"/>
-                <a:satMod val="135000"/>
-              </a:schemeClr>
-              <a:prstClr val="white"/>
-            </a:duotone>
             <a:extLst>
               <a:ext uri="{28A0092B-C50C-407E-A947-70E740481C1C}">
                 <a14:useLocalDpi xmlns:a14="http://schemas.microsoft.com/office/drawing/2010/main" val="0"/>
@@ -27430,8 +27356,55 @@
         </p:blipFill>
         <p:spPr bwMode="auto">
           <a:xfrm>
-            <a:off x="6677039" y="2038672"/>
-            <a:ext cx="382048" cy="382048"/>
+            <a:off x="5649104" y="1803945"/>
+            <a:ext cx="195046" cy="222439"/>
+          </a:xfrm>
+          <a:prstGeom prst="rect">
+            <a:avLst/>
+          </a:prstGeom>
+          <a:noFill/>
+          <a:extLst>
+            <a:ext uri="{909E8E84-426E-40DD-AFC4-6F175D3DCCD1}">
+              <a14:hiddenFill xmlns:a14="http://schemas.microsoft.com/office/drawing/2010/main">
+                <a:solidFill>
+                  <a:srgbClr val="FFFFFF"/>
+                </a:solidFill>
+              </a14:hiddenFill>
+            </a:ext>
+          </a:extLst>
+        </p:spPr>
+      </p:pic>
+      <p:pic>
+        <p:nvPicPr>
+          <p:cNvPr id="51" name="Picture 2" descr="Resultado de imagen para chulo png">
+            <a:extLst>
+              <a:ext uri="{FF2B5EF4-FFF2-40B4-BE49-F238E27FC236}">
+                <a16:creationId xmlns:a16="http://schemas.microsoft.com/office/drawing/2014/main" id="{48E0B6FF-9A29-A74D-93FB-3C5AC1F1A9B3}"/>
+              </a:ext>
+            </a:extLst>
+          </p:cNvPr>
+          <p:cNvPicPr>
+            <a:picLocks noChangeAspect="1" noChangeArrowheads="1"/>
+          </p:cNvPicPr>
+          <p:nvPr/>
+        </p:nvPicPr>
+        <p:blipFill>
+          <a:blip r:embed="rId4">
+            <a:extLst>
+              <a:ext uri="{28A0092B-C50C-407E-A947-70E740481C1C}">
+                <a14:useLocalDpi xmlns:a14="http://schemas.microsoft.com/office/drawing/2010/main" val="0"/>
+              </a:ext>
+            </a:extLst>
+          </a:blip>
+          <a:srcRect/>
+          <a:stretch>
+            <a:fillRect/>
+          </a:stretch>
+        </p:blipFill>
+        <p:spPr bwMode="auto">
+          <a:xfrm>
+            <a:off x="5649467" y="2013208"/>
+            <a:ext cx="195046" cy="222439"/>
           </a:xfrm>
           <a:prstGeom prst="rect">
             <a:avLst/>
@@ -27478,66 +27451,6 @@
           <a:chExt cx="0" cy="0"/>
         </a:xfrm>
       </p:grpSpPr>
-      <p:cxnSp>
-        <p:nvCxnSpPr>
-          <p:cNvPr id="32" name="Conector recto 31"/>
-          <p:cNvCxnSpPr/>
-          <p:nvPr/>
-        </p:nvCxnSpPr>
-        <p:spPr>
-          <a:xfrm>
-            <a:off x="6372200" y="2931790"/>
-            <a:ext cx="432048" cy="0"/>
-          </a:xfrm>
-          <a:prstGeom prst="line">
-            <a:avLst/>
-          </a:prstGeom>
-        </p:spPr>
-        <p:style>
-          <a:lnRef idx="1">
-            <a:schemeClr val="accent1"/>
-          </a:lnRef>
-          <a:fillRef idx="0">
-            <a:schemeClr val="accent1"/>
-          </a:fillRef>
-          <a:effectRef idx="0">
-            <a:schemeClr val="accent1"/>
-          </a:effectRef>
-          <a:fontRef idx="minor">
-            <a:schemeClr val="tx1"/>
-          </a:fontRef>
-        </p:style>
-      </p:cxnSp>
-      <p:cxnSp>
-        <p:nvCxnSpPr>
-          <p:cNvPr id="30" name="Conector recto 29"/>
-          <p:cNvCxnSpPr/>
-          <p:nvPr/>
-        </p:nvCxnSpPr>
-        <p:spPr>
-          <a:xfrm>
-            <a:off x="5724128" y="2931790"/>
-            <a:ext cx="432048" cy="0"/>
-          </a:xfrm>
-          <a:prstGeom prst="line">
-            <a:avLst/>
-          </a:prstGeom>
-        </p:spPr>
-        <p:style>
-          <a:lnRef idx="1">
-            <a:schemeClr val="accent1"/>
-          </a:lnRef>
-          <a:fillRef idx="0">
-            <a:schemeClr val="accent1"/>
-          </a:fillRef>
-          <a:effectRef idx="0">
-            <a:schemeClr val="accent1"/>
-          </a:effectRef>
-          <a:fontRef idx="minor">
-            <a:schemeClr val="tx1"/>
-          </a:fontRef>
-        </p:style>
-      </p:cxnSp>
       <p:sp>
         <p:nvSpPr>
           <p:cNvPr id="2" name="Título 1"/>
@@ -27563,16 +27476,52 @@
       </p:sp>
       <p:sp>
         <p:nvSpPr>
-          <p:cNvPr id="13" name="Elipse 12"/>
+          <p:cNvPr id="15" name="Marcador de contenido 2"/>
+          <p:cNvSpPr>
+            <a:spLocks noGrp="1"/>
+          </p:cNvSpPr>
+          <p:nvPr>
+            <p:ph idx="1"/>
+          </p:nvPr>
+        </p:nvSpPr>
+        <p:spPr>
+          <a:xfrm>
+            <a:off x="899592" y="2499741"/>
+            <a:ext cx="3145491" cy="1902079"/>
+          </a:xfrm>
+        </p:spPr>
+        <p:txBody>
+          <a:bodyPr/>
+          <a:lstStyle/>
+          <a:p>
+            <a:r>
+              <a:rPr lang="es-ES" dirty="0"/>
+              <a:t>Programe la aplicación para que la cámara de GMAPS lo siga.</a:t>
+            </a:r>
+          </a:p>
+          <a:p>
+            <a:endParaRPr lang="es-ES" dirty="0"/>
+          </a:p>
+        </p:txBody>
+      </p:sp>
+      <p:sp>
+        <p:nvSpPr>
+          <p:cNvPr id="17" name="Rectángulo 5">
+            <a:extLst>
+              <a:ext uri="{FF2B5EF4-FFF2-40B4-BE49-F238E27FC236}">
+                <a16:creationId xmlns:a16="http://schemas.microsoft.com/office/drawing/2014/main" id="{5C24E256-3CCB-6E45-8272-1415F913AA11}"/>
+              </a:ext>
+            </a:extLst>
+          </p:cNvPr>
           <p:cNvSpPr/>
           <p:nvPr/>
         </p:nvSpPr>
         <p:spPr>
           <a:xfrm>
-            <a:off x="6084168" y="2723897"/>
-            <a:ext cx="360040" cy="360040"/>
-          </a:xfrm>
-          <a:prstGeom prst="ellipse">
+            <a:off x="5580113" y="1779662"/>
+            <a:ext cx="1656184" cy="2304256"/>
+          </a:xfrm>
+          <a:prstGeom prst="rect">
             <a:avLst/>
           </a:prstGeom>
         </p:spPr>
@@ -27601,89 +27550,15 @@
           </a:p>
         </p:txBody>
       </p:sp>
-      <p:sp>
-        <p:nvSpPr>
-          <p:cNvPr id="6" name="Rectángulo 5"/>
-          <p:cNvSpPr/>
-          <p:nvPr/>
-        </p:nvSpPr>
-        <p:spPr>
-          <a:xfrm>
-            <a:off x="4211960" y="1779662"/>
-            <a:ext cx="1656184" cy="2304256"/>
-          </a:xfrm>
-          <a:prstGeom prst="rect">
-            <a:avLst/>
-          </a:prstGeom>
-        </p:spPr>
-        <p:style>
-          <a:lnRef idx="2">
-            <a:schemeClr val="accent1">
-              <a:shade val="50000"/>
-            </a:schemeClr>
-          </a:lnRef>
-          <a:fillRef idx="1">
-            <a:schemeClr val="accent1"/>
-          </a:fillRef>
-          <a:effectRef idx="0">
-            <a:schemeClr val="accent1"/>
-          </a:effectRef>
-          <a:fontRef idx="minor">
-            <a:schemeClr val="lt1"/>
-          </a:fontRef>
-        </p:style>
-        <p:txBody>
-          <a:bodyPr rtlCol="0" anchor="ctr"/>
-          <a:lstStyle/>
-          <a:p>
-            <a:pPr algn="ctr"/>
-            <a:endParaRPr lang="es-CO"/>
-          </a:p>
-        </p:txBody>
-      </p:sp>
-      <p:sp>
-        <p:nvSpPr>
-          <p:cNvPr id="7" name="Rectángulo 6"/>
-          <p:cNvSpPr/>
-          <p:nvPr/>
-        </p:nvSpPr>
-        <p:spPr>
-          <a:xfrm>
-            <a:off x="6710576" y="1779662"/>
-            <a:ext cx="1656184" cy="2304256"/>
-          </a:xfrm>
-          <a:prstGeom prst="rect">
-            <a:avLst/>
-          </a:prstGeom>
-        </p:spPr>
-        <p:style>
-          <a:lnRef idx="2">
-            <a:schemeClr val="accent1">
-              <a:shade val="50000"/>
-            </a:schemeClr>
-          </a:lnRef>
-          <a:fillRef idx="1">
-            <a:schemeClr val="accent1"/>
-          </a:fillRef>
-          <a:effectRef idx="0">
-            <a:schemeClr val="accent1"/>
-          </a:effectRef>
-          <a:fontRef idx="minor">
-            <a:schemeClr val="lt1"/>
-          </a:fontRef>
-        </p:style>
-        <p:txBody>
-          <a:bodyPr rtlCol="0" anchor="ctr"/>
-          <a:lstStyle/>
-          <a:p>
-            <a:pPr algn="ctr"/>
-            <a:endParaRPr lang="es-CO"/>
-          </a:p>
-        </p:txBody>
-      </p:sp>
       <p:pic>
         <p:nvPicPr>
-          <p:cNvPr id="11" name="Imagen 10"/>
+          <p:cNvPr id="18" name="Imagen 10">
+            <a:extLst>
+              <a:ext uri="{FF2B5EF4-FFF2-40B4-BE49-F238E27FC236}">
+                <a16:creationId xmlns:a16="http://schemas.microsoft.com/office/drawing/2014/main" id="{1B86EF68-E0B4-4849-9F7B-3F257FB0B50F}"/>
+              </a:ext>
+            </a:extLst>
+          </p:cNvPr>
           <p:cNvPicPr>
             <a:picLocks noChangeAspect="1"/>
           </p:cNvPicPr>
@@ -27696,7 +27571,7 @@
         </p:blipFill>
         <p:spPr>
           <a:xfrm>
-            <a:off x="4211959" y="1779662"/>
+            <a:off x="5580112" y="1779662"/>
             <a:ext cx="1656185" cy="2304256"/>
           </a:xfrm>
           <a:prstGeom prst="rect">
@@ -27704,32 +27579,60 @@
           </a:prstGeom>
         </p:spPr>
       </p:pic>
+      <p:sp>
+        <p:nvSpPr>
+          <p:cNvPr id="19" name="CuadroTexto 30">
+            <a:extLst>
+              <a:ext uri="{FF2B5EF4-FFF2-40B4-BE49-F238E27FC236}">
+                <a16:creationId xmlns:a16="http://schemas.microsoft.com/office/drawing/2014/main" id="{F121040A-51C2-2E47-AE05-81F968041A76}"/>
+              </a:ext>
+            </a:extLst>
+          </p:cNvPr>
+          <p:cNvSpPr txBox="1"/>
+          <p:nvPr/>
+        </p:nvSpPr>
+        <p:spPr>
+          <a:xfrm>
+            <a:off x="5629260" y="4198316"/>
+            <a:ext cx="1557887" cy="307777"/>
+          </a:xfrm>
+          <a:prstGeom prst="rect">
+            <a:avLst/>
+          </a:prstGeom>
+          <a:noFill/>
+        </p:spPr>
+        <p:txBody>
+          <a:bodyPr wrap="square" rtlCol="0">
+            <a:spAutoFit/>
+          </a:bodyPr>
+          <a:lstStyle/>
+          <a:p>
+            <a:pPr algn="ctr"/>
+            <a:r>
+              <a:rPr lang="es-ES" dirty="0" err="1">
+                <a:solidFill>
+                  <a:schemeClr val="tx1"/>
+                </a:solidFill>
+              </a:rPr>
+              <a:t>Activity</a:t>
+            </a:r>
+            <a:endParaRPr lang="es-CO" dirty="0">
+              <a:solidFill>
+                <a:schemeClr val="tx1"/>
+              </a:solidFill>
+            </a:endParaRPr>
+          </a:p>
+        </p:txBody>
+      </p:sp>
       <p:pic>
         <p:nvPicPr>
-          <p:cNvPr id="12" name="Imagen 11"/>
-          <p:cNvPicPr>
-            <a:picLocks noChangeAspect="1"/>
-          </p:cNvPicPr>
-          <p:nvPr/>
-        </p:nvPicPr>
-        <p:blipFill rotWithShape="1">
-          <a:blip r:embed="rId2"/>
-          <a:srcRect l="46618" r="-1048"/>
-          <a:stretch/>
-        </p:blipFill>
-        <p:spPr>
-          <a:xfrm>
-            <a:off x="6710576" y="1779662"/>
-            <a:ext cx="1656185" cy="2304256"/>
-          </a:xfrm>
-          <a:prstGeom prst="rect">
-            <a:avLst/>
-          </a:prstGeom>
-        </p:spPr>
-      </p:pic>
-      <p:pic>
-        <p:nvPicPr>
-          <p:cNvPr id="1026" name="Picture 2" descr="Resultado de imagen de link icon png&quot;"/>
+          <p:cNvPr id="20" name="Picture 4" descr="Resultado de imagen de location icon png&quot;">
+            <a:extLst>
+              <a:ext uri="{FF2B5EF4-FFF2-40B4-BE49-F238E27FC236}">
+                <a16:creationId xmlns:a16="http://schemas.microsoft.com/office/drawing/2014/main" id="{DF63B6DE-8995-C345-9AA0-3AD8ACBAE0E0}"/>
+              </a:ext>
+            </a:extLst>
+          </p:cNvPr>
           <p:cNvPicPr>
             <a:picLocks noChangeAspect="1" noChangeArrowheads="1"/>
           </p:cNvPicPr>
@@ -27737,6 +27640,13 @@
         </p:nvPicPr>
         <p:blipFill>
           <a:blip r:embed="rId3">
+            <a:duotone>
+              <a:schemeClr val="accent3">
+                <a:shade val="45000"/>
+                <a:satMod val="135000"/>
+              </a:schemeClr>
+              <a:prstClr val="white"/>
+            </a:duotone>
             <a:extLst>
               <a:ext uri="{28A0092B-C50C-407E-A947-70E740481C1C}">
                 <a14:useLocalDpi xmlns:a14="http://schemas.microsoft.com/office/drawing/2010/main" val="0"/>
@@ -27750,8 +27660,8 @@
         </p:blipFill>
         <p:spPr bwMode="auto">
           <a:xfrm>
-            <a:off x="6156176" y="2787774"/>
-            <a:ext cx="223853" cy="223853"/>
+            <a:off x="6217179" y="2660627"/>
+            <a:ext cx="382048" cy="382048"/>
           </a:xfrm>
           <a:prstGeom prst="rect">
             <a:avLst/>
@@ -27770,14 +27680,167 @@
       </p:pic>
       <p:sp>
         <p:nvSpPr>
-          <p:cNvPr id="31" name="CuadroTexto 30"/>
+          <p:cNvPr id="21" name="Rectangle 20">
+            <a:extLst>
+              <a:ext uri="{FF2B5EF4-FFF2-40B4-BE49-F238E27FC236}">
+                <a16:creationId xmlns:a16="http://schemas.microsoft.com/office/drawing/2014/main" id="{557A27B1-B5CF-724C-B022-3E203909D32F}"/>
+              </a:ext>
+            </a:extLst>
+          </p:cNvPr>
+          <p:cNvSpPr/>
+          <p:nvPr/>
+        </p:nvSpPr>
+        <p:spPr>
+          <a:xfrm>
+            <a:off x="5652120" y="1851670"/>
+            <a:ext cx="144016" cy="144016"/>
+          </a:xfrm>
+          <a:prstGeom prst="rect">
+            <a:avLst/>
+          </a:prstGeom>
+          <a:solidFill>
+            <a:schemeClr val="bg1"/>
+          </a:solidFill>
+        </p:spPr>
+        <p:style>
+          <a:lnRef idx="2">
+            <a:schemeClr val="accent1">
+              <a:shade val="50000"/>
+            </a:schemeClr>
+          </a:lnRef>
+          <a:fillRef idx="1">
+            <a:schemeClr val="accent1"/>
+          </a:fillRef>
+          <a:effectRef idx="0">
+            <a:schemeClr val="accent1"/>
+          </a:effectRef>
+          <a:fontRef idx="minor">
+            <a:schemeClr val="lt1"/>
+          </a:fontRef>
+        </p:style>
+        <p:txBody>
+          <a:bodyPr rtlCol="0" anchor="ctr"/>
+          <a:lstStyle/>
+          <a:p>
+            <a:pPr algn="ctr"/>
+            <a:endParaRPr lang="en-US"/>
+          </a:p>
+        </p:txBody>
+      </p:sp>
+      <p:sp>
+        <p:nvSpPr>
+          <p:cNvPr id="22" name="Rectangle 21">
+            <a:extLst>
+              <a:ext uri="{FF2B5EF4-FFF2-40B4-BE49-F238E27FC236}">
+                <a16:creationId xmlns:a16="http://schemas.microsoft.com/office/drawing/2014/main" id="{19009E75-E1BA-1540-99C1-FAD4417CA162}"/>
+              </a:ext>
+            </a:extLst>
+          </p:cNvPr>
+          <p:cNvSpPr/>
+          <p:nvPr/>
+        </p:nvSpPr>
+        <p:spPr>
+          <a:xfrm>
+            <a:off x="5652120" y="2066354"/>
+            <a:ext cx="144016" cy="144016"/>
+          </a:xfrm>
+          <a:prstGeom prst="rect">
+            <a:avLst/>
+          </a:prstGeom>
+          <a:solidFill>
+            <a:schemeClr val="bg1"/>
+          </a:solidFill>
+        </p:spPr>
+        <p:style>
+          <a:lnRef idx="2">
+            <a:schemeClr val="accent1">
+              <a:shade val="50000"/>
+            </a:schemeClr>
+          </a:lnRef>
+          <a:fillRef idx="1">
+            <a:schemeClr val="accent1"/>
+          </a:fillRef>
+          <a:effectRef idx="0">
+            <a:schemeClr val="accent1"/>
+          </a:effectRef>
+          <a:fontRef idx="minor">
+            <a:schemeClr val="lt1"/>
+          </a:fontRef>
+        </p:style>
+        <p:txBody>
+          <a:bodyPr rtlCol="0" anchor="ctr"/>
+          <a:lstStyle/>
+          <a:p>
+            <a:pPr algn="ctr"/>
+            <a:endParaRPr lang="en-US"/>
+          </a:p>
+        </p:txBody>
+      </p:sp>
+      <p:sp>
+        <p:nvSpPr>
+          <p:cNvPr id="23" name="Rectangle 22">
+            <a:extLst>
+              <a:ext uri="{FF2B5EF4-FFF2-40B4-BE49-F238E27FC236}">
+                <a16:creationId xmlns:a16="http://schemas.microsoft.com/office/drawing/2014/main" id="{DBED798D-EF21-5C40-BF8C-4050ECC84AE5}"/>
+              </a:ext>
+            </a:extLst>
+          </p:cNvPr>
+          <p:cNvSpPr/>
+          <p:nvPr/>
+        </p:nvSpPr>
+        <p:spPr>
+          <a:xfrm>
+            <a:off x="5652120" y="2281038"/>
+            <a:ext cx="144016" cy="144016"/>
+          </a:xfrm>
+          <a:prstGeom prst="rect">
+            <a:avLst/>
+          </a:prstGeom>
+          <a:solidFill>
+            <a:schemeClr val="bg1"/>
+          </a:solidFill>
+        </p:spPr>
+        <p:style>
+          <a:lnRef idx="2">
+            <a:schemeClr val="accent1">
+              <a:shade val="50000"/>
+            </a:schemeClr>
+          </a:lnRef>
+          <a:fillRef idx="1">
+            <a:schemeClr val="accent1"/>
+          </a:fillRef>
+          <a:effectRef idx="0">
+            <a:schemeClr val="accent1"/>
+          </a:effectRef>
+          <a:fontRef idx="minor">
+            <a:schemeClr val="lt1"/>
+          </a:fontRef>
+        </p:style>
+        <p:txBody>
+          <a:bodyPr rtlCol="0" anchor="ctr"/>
+          <a:lstStyle/>
+          <a:p>
+            <a:pPr algn="ctr"/>
+            <a:endParaRPr lang="en-US"/>
+          </a:p>
+        </p:txBody>
+      </p:sp>
+      <p:sp>
+        <p:nvSpPr>
+          <p:cNvPr id="24" name="TextBox 23">
+            <a:extLst>
+              <a:ext uri="{FF2B5EF4-FFF2-40B4-BE49-F238E27FC236}">
+                <a16:creationId xmlns:a16="http://schemas.microsoft.com/office/drawing/2014/main" id="{9C6E02AC-6730-1A4E-BCF9-E92D96180460}"/>
+              </a:ext>
+            </a:extLst>
+          </p:cNvPr>
           <p:cNvSpPr txBox="1"/>
           <p:nvPr/>
         </p:nvSpPr>
         <p:spPr>
           <a:xfrm>
-            <a:off x="4261107" y="4198316"/>
-            <a:ext cx="1557887" cy="307777"/>
+            <a:off x="5770883" y="1796496"/>
+            <a:ext cx="864096" cy="246221"/>
           </a:xfrm>
           <a:prstGeom prst="rect">
             <a:avLst/>
@@ -27790,33 +27853,29 @@
           </a:bodyPr>
           <a:lstStyle/>
           <a:p>
-            <a:pPr algn="ctr"/>
-            <a:r>
-              <a:rPr lang="es-ES" dirty="0">
-                <a:solidFill>
-                  <a:schemeClr val="tx1"/>
-                </a:solidFill>
-              </a:rPr>
-              <a:t>Aplicación 1</a:t>
-            </a:r>
-            <a:endParaRPr lang="es-CO" dirty="0">
-              <a:solidFill>
-                <a:schemeClr val="tx1"/>
-              </a:solidFill>
-            </a:endParaRPr>
-          </a:p>
-        </p:txBody>
-      </p:sp>
-      <p:sp>
-        <p:nvSpPr>
-          <p:cNvPr id="34" name="CuadroTexto 33"/>
+            <a:r>
+              <a:rPr lang="en-US" sz="1000" dirty="0"/>
+              <a:t>Central</a:t>
+            </a:r>
+          </a:p>
+        </p:txBody>
+      </p:sp>
+      <p:sp>
+        <p:nvSpPr>
+          <p:cNvPr id="25" name="TextBox 24">
+            <a:extLst>
+              <a:ext uri="{FF2B5EF4-FFF2-40B4-BE49-F238E27FC236}">
+                <a16:creationId xmlns:a16="http://schemas.microsoft.com/office/drawing/2014/main" id="{EBAAA499-BC67-7943-A03B-C38E48DD0C9E}"/>
+              </a:ext>
+            </a:extLst>
+          </p:cNvPr>
           <p:cNvSpPr txBox="1"/>
           <p:nvPr/>
         </p:nvSpPr>
         <p:spPr>
           <a:xfrm>
-            <a:off x="6759724" y="4198315"/>
-            <a:ext cx="1557887" cy="307777"/>
+            <a:off x="5790546" y="2009342"/>
+            <a:ext cx="864096" cy="246221"/>
           </a:xfrm>
           <a:prstGeom prst="rect">
             <a:avLst/>
@@ -27829,56 +27888,59 @@
           </a:bodyPr>
           <a:lstStyle/>
           <a:p>
-            <a:pPr algn="ctr"/>
-            <a:r>
-              <a:rPr lang="es-ES" dirty="0">
-                <a:solidFill>
-                  <a:schemeClr val="tx1"/>
-                </a:solidFill>
-              </a:rPr>
-              <a:t>Aplicación 2</a:t>
-            </a:r>
-            <a:endParaRPr lang="es-CO" dirty="0">
-              <a:solidFill>
-                <a:schemeClr val="tx1"/>
-              </a:solidFill>
-            </a:endParaRPr>
-          </a:p>
-        </p:txBody>
-      </p:sp>
-      <p:sp>
-        <p:nvSpPr>
-          <p:cNvPr id="15" name="Marcador de contenido 2"/>
-          <p:cNvSpPr>
-            <a:spLocks noGrp="1"/>
-          </p:cNvSpPr>
-          <p:nvPr>
-            <p:ph idx="1"/>
-          </p:nvPr>
-        </p:nvSpPr>
-        <p:spPr>
-          <a:xfrm>
-            <a:off x="899592" y="2499741"/>
-            <a:ext cx="3145491" cy="1902079"/>
-          </a:xfrm>
-        </p:spPr>
-        <p:txBody>
-          <a:bodyPr/>
-          <a:lstStyle/>
-          <a:p>
-            <a:r>
-              <a:rPr lang="es-ES" dirty="0"/>
-              <a:t>Programe la aplicación para que la cámara de GMAPS lo siga.</a:t>
-            </a:r>
-          </a:p>
-          <a:p>
-            <a:endParaRPr lang="es-ES" dirty="0"/>
+            <a:r>
+              <a:rPr lang="en-US" sz="1000" dirty="0" err="1"/>
+              <a:t>Samán</a:t>
+            </a:r>
+            <a:endParaRPr lang="en-US" sz="1000" dirty="0"/>
+          </a:p>
+        </p:txBody>
+      </p:sp>
+      <p:sp>
+        <p:nvSpPr>
+          <p:cNvPr id="26" name="TextBox 25">
+            <a:extLst>
+              <a:ext uri="{FF2B5EF4-FFF2-40B4-BE49-F238E27FC236}">
+                <a16:creationId xmlns:a16="http://schemas.microsoft.com/office/drawing/2014/main" id="{5D5FDD97-DE9F-234B-A4F4-942297A0D71E}"/>
+              </a:ext>
+            </a:extLst>
+          </p:cNvPr>
+          <p:cNvSpPr txBox="1"/>
+          <p:nvPr/>
+        </p:nvSpPr>
+        <p:spPr>
+          <a:xfrm>
+            <a:off x="5790546" y="2221864"/>
+            <a:ext cx="864096" cy="246221"/>
+          </a:xfrm>
+          <a:prstGeom prst="rect">
+            <a:avLst/>
+          </a:prstGeom>
+          <a:noFill/>
+        </p:spPr>
+        <p:txBody>
+          <a:bodyPr wrap="square" rtlCol="0">
+            <a:spAutoFit/>
+          </a:bodyPr>
+          <a:lstStyle/>
+          <a:p>
+            <a:r>
+              <a:rPr lang="en-US" sz="1000" dirty="0" err="1"/>
+              <a:t>Auditorios</a:t>
+            </a:r>
+            <a:endParaRPr lang="en-US" sz="1000" dirty="0"/>
           </a:p>
         </p:txBody>
       </p:sp>
       <p:pic>
         <p:nvPicPr>
-          <p:cNvPr id="14" name="Picture 4" descr="Resultado de imagen de location icon png&quot;"/>
+          <p:cNvPr id="27" name="Picture 2" descr="Resultado de imagen para chulo png">
+            <a:extLst>
+              <a:ext uri="{FF2B5EF4-FFF2-40B4-BE49-F238E27FC236}">
+                <a16:creationId xmlns:a16="http://schemas.microsoft.com/office/drawing/2014/main" id="{67C0F11D-DA20-4D49-A096-61266D94CDA8}"/>
+              </a:ext>
+            </a:extLst>
+          </p:cNvPr>
           <p:cNvPicPr>
             <a:picLocks noChangeAspect="1" noChangeArrowheads="1"/>
           </p:cNvPicPr>
@@ -27899,8 +27961,8 @@
         </p:blipFill>
         <p:spPr bwMode="auto">
           <a:xfrm>
-            <a:off x="4987318" y="2018214"/>
-            <a:ext cx="382048" cy="382048"/>
+            <a:off x="5649104" y="1803945"/>
+            <a:ext cx="195046" cy="222439"/>
           </a:xfrm>
           <a:prstGeom prst="rect">
             <a:avLst/>
@@ -27919,7 +27981,13 @@
       </p:pic>
       <p:pic>
         <p:nvPicPr>
-          <p:cNvPr id="16" name="Picture 4" descr="Resultado de imagen de location icon png&quot;"/>
+          <p:cNvPr id="28" name="Picture 2" descr="Resultado de imagen para chulo png">
+            <a:extLst>
+              <a:ext uri="{FF2B5EF4-FFF2-40B4-BE49-F238E27FC236}">
+                <a16:creationId xmlns:a16="http://schemas.microsoft.com/office/drawing/2014/main" id="{17ED474F-BDB8-DC48-A653-DBEFBC76FB82}"/>
+              </a:ext>
+            </a:extLst>
+          </p:cNvPr>
           <p:cNvPicPr>
             <a:picLocks noChangeAspect="1" noChangeArrowheads="1"/>
           </p:cNvPicPr>
@@ -27940,8 +28008,8 @@
         </p:blipFill>
         <p:spPr bwMode="auto">
           <a:xfrm>
-            <a:off x="6918780" y="2931790"/>
-            <a:ext cx="382048" cy="382048"/>
+            <a:off x="5649467" y="2013208"/>
+            <a:ext cx="195046" cy="222439"/>
           </a:xfrm>
           <a:prstGeom prst="rect">
             <a:avLst/>
@@ -27988,66 +28056,6 @@
           <a:chExt cx="0" cy="0"/>
         </a:xfrm>
       </p:grpSpPr>
-      <p:cxnSp>
-        <p:nvCxnSpPr>
-          <p:cNvPr id="32" name="Conector recto 31"/>
-          <p:cNvCxnSpPr/>
-          <p:nvPr/>
-        </p:nvCxnSpPr>
-        <p:spPr>
-          <a:xfrm>
-            <a:off x="6372200" y="2931790"/>
-            <a:ext cx="432048" cy="0"/>
-          </a:xfrm>
-          <a:prstGeom prst="line">
-            <a:avLst/>
-          </a:prstGeom>
-        </p:spPr>
-        <p:style>
-          <a:lnRef idx="1">
-            <a:schemeClr val="accent1"/>
-          </a:lnRef>
-          <a:fillRef idx="0">
-            <a:schemeClr val="accent1"/>
-          </a:fillRef>
-          <a:effectRef idx="0">
-            <a:schemeClr val="accent1"/>
-          </a:effectRef>
-          <a:fontRef idx="minor">
-            <a:schemeClr val="tx1"/>
-          </a:fontRef>
-        </p:style>
-      </p:cxnSp>
-      <p:cxnSp>
-        <p:nvCxnSpPr>
-          <p:cNvPr id="30" name="Conector recto 29"/>
-          <p:cNvCxnSpPr/>
-          <p:nvPr/>
-        </p:nvCxnSpPr>
-        <p:spPr>
-          <a:xfrm>
-            <a:off x="5724128" y="2931790"/>
-            <a:ext cx="432048" cy="0"/>
-          </a:xfrm>
-          <a:prstGeom prst="line">
-            <a:avLst/>
-          </a:prstGeom>
-        </p:spPr>
-        <p:style>
-          <a:lnRef idx="1">
-            <a:schemeClr val="accent1"/>
-          </a:lnRef>
-          <a:fillRef idx="0">
-            <a:schemeClr val="accent1"/>
-          </a:fillRef>
-          <a:effectRef idx="0">
-            <a:schemeClr val="accent1"/>
-          </a:effectRef>
-          <a:fontRef idx="minor">
-            <a:schemeClr val="tx1"/>
-          </a:fontRef>
-        </p:style>
-      </p:cxnSp>
       <p:sp>
         <p:nvSpPr>
           <p:cNvPr id="2" name="Título 1"/>
@@ -28073,16 +28081,70 @@
       </p:sp>
       <p:sp>
         <p:nvSpPr>
-          <p:cNvPr id="13" name="Elipse 12"/>
+          <p:cNvPr id="15" name="Marcador de contenido 2"/>
+          <p:cNvSpPr>
+            <a:spLocks noGrp="1"/>
+          </p:cNvSpPr>
+          <p:nvPr>
+            <p:ph idx="1"/>
+          </p:nvPr>
+        </p:nvSpPr>
+        <p:spPr>
+          <a:xfrm>
+            <a:off x="899592" y="1779663"/>
+            <a:ext cx="3145491" cy="2622158"/>
+          </a:xfrm>
+        </p:spPr>
+        <p:txBody>
+          <a:bodyPr/>
+          <a:lstStyle/>
+          <a:p>
+            <a:r>
+              <a:rPr lang="es-ES" dirty="0"/>
+              <a:t>Luego, cree un panel con 3 lugares para recorrer la universidad.</a:t>
+            </a:r>
+          </a:p>
+          <a:p>
+            <a:endParaRPr lang="es-ES" b="1" i="1" dirty="0"/>
+          </a:p>
+          <a:p>
+            <a:r>
+              <a:rPr lang="es-ES" b="1" i="1" dirty="0"/>
+              <a:t>Cada chulito va apareciendo en la medida en la que ustedes van parándose en cada sitio</a:t>
+            </a:r>
+          </a:p>
+          <a:p>
+            <a:endParaRPr lang="es-ES" b="1" i="1" dirty="0"/>
+          </a:p>
+          <a:p>
+            <a:r>
+              <a:rPr lang="es-ES" b="1" i="1" dirty="0"/>
+              <a:t>Gana el que tenga los 3 chulitos en la app</a:t>
+            </a:r>
+          </a:p>
+          <a:p>
+            <a:endParaRPr lang="es-ES" dirty="0"/>
+          </a:p>
+        </p:txBody>
+      </p:sp>
+      <p:sp>
+        <p:nvSpPr>
+          <p:cNvPr id="17" name="Rectángulo 5">
+            <a:extLst>
+              <a:ext uri="{FF2B5EF4-FFF2-40B4-BE49-F238E27FC236}">
+                <a16:creationId xmlns:a16="http://schemas.microsoft.com/office/drawing/2014/main" id="{BFE0810C-B82D-6A4B-B760-FE161280E016}"/>
+              </a:ext>
+            </a:extLst>
+          </p:cNvPr>
           <p:cNvSpPr/>
           <p:nvPr/>
         </p:nvSpPr>
         <p:spPr>
           <a:xfrm>
-            <a:off x="6084168" y="2723897"/>
-            <a:ext cx="360040" cy="360040"/>
-          </a:xfrm>
-          <a:prstGeom prst="ellipse">
+            <a:off x="5580113" y="1779662"/>
+            <a:ext cx="1656184" cy="2304256"/>
+          </a:xfrm>
+          <a:prstGeom prst="rect">
             <a:avLst/>
           </a:prstGeom>
         </p:spPr>
@@ -28111,89 +28173,15 @@
           </a:p>
         </p:txBody>
       </p:sp>
-      <p:sp>
-        <p:nvSpPr>
-          <p:cNvPr id="6" name="Rectángulo 5"/>
-          <p:cNvSpPr/>
-          <p:nvPr/>
-        </p:nvSpPr>
-        <p:spPr>
-          <a:xfrm>
-            <a:off x="4211960" y="1779662"/>
-            <a:ext cx="1656184" cy="2304256"/>
-          </a:xfrm>
-          <a:prstGeom prst="rect">
-            <a:avLst/>
-          </a:prstGeom>
-        </p:spPr>
-        <p:style>
-          <a:lnRef idx="2">
-            <a:schemeClr val="accent1">
-              <a:shade val="50000"/>
-            </a:schemeClr>
-          </a:lnRef>
-          <a:fillRef idx="1">
-            <a:schemeClr val="accent1"/>
-          </a:fillRef>
-          <a:effectRef idx="0">
-            <a:schemeClr val="accent1"/>
-          </a:effectRef>
-          <a:fontRef idx="minor">
-            <a:schemeClr val="lt1"/>
-          </a:fontRef>
-        </p:style>
-        <p:txBody>
-          <a:bodyPr rtlCol="0" anchor="ctr"/>
-          <a:lstStyle/>
-          <a:p>
-            <a:pPr algn="ctr"/>
-            <a:endParaRPr lang="es-CO"/>
-          </a:p>
-        </p:txBody>
-      </p:sp>
-      <p:sp>
-        <p:nvSpPr>
-          <p:cNvPr id="7" name="Rectángulo 6"/>
-          <p:cNvSpPr/>
-          <p:nvPr/>
-        </p:nvSpPr>
-        <p:spPr>
-          <a:xfrm>
-            <a:off x="6710576" y="1779662"/>
-            <a:ext cx="1656184" cy="2304256"/>
-          </a:xfrm>
-          <a:prstGeom prst="rect">
-            <a:avLst/>
-          </a:prstGeom>
-        </p:spPr>
-        <p:style>
-          <a:lnRef idx="2">
-            <a:schemeClr val="accent1">
-              <a:shade val="50000"/>
-            </a:schemeClr>
-          </a:lnRef>
-          <a:fillRef idx="1">
-            <a:schemeClr val="accent1"/>
-          </a:fillRef>
-          <a:effectRef idx="0">
-            <a:schemeClr val="accent1"/>
-          </a:effectRef>
-          <a:fontRef idx="minor">
-            <a:schemeClr val="lt1"/>
-          </a:fontRef>
-        </p:style>
-        <p:txBody>
-          <a:bodyPr rtlCol="0" anchor="ctr"/>
-          <a:lstStyle/>
-          <a:p>
-            <a:pPr algn="ctr"/>
-            <a:endParaRPr lang="es-CO"/>
-          </a:p>
-        </p:txBody>
-      </p:sp>
       <p:pic>
         <p:nvPicPr>
-          <p:cNvPr id="11" name="Imagen 10"/>
+          <p:cNvPr id="18" name="Imagen 10">
+            <a:extLst>
+              <a:ext uri="{FF2B5EF4-FFF2-40B4-BE49-F238E27FC236}">
+                <a16:creationId xmlns:a16="http://schemas.microsoft.com/office/drawing/2014/main" id="{709A911B-5C78-7042-A0AA-9A8B7F1C8A2A}"/>
+              </a:ext>
+            </a:extLst>
+          </p:cNvPr>
           <p:cNvPicPr>
             <a:picLocks noChangeAspect="1"/>
           </p:cNvPicPr>
@@ -28206,7 +28194,7 @@
         </p:blipFill>
         <p:spPr>
           <a:xfrm>
-            <a:off x="4211959" y="1779662"/>
+            <a:off x="5580112" y="1779662"/>
             <a:ext cx="1656185" cy="2304256"/>
           </a:xfrm>
           <a:prstGeom prst="rect">
@@ -28214,79 +28202,21 @@
           </a:prstGeom>
         </p:spPr>
       </p:pic>
-      <p:pic>
-        <p:nvPicPr>
-          <p:cNvPr id="12" name="Imagen 11"/>
-          <p:cNvPicPr>
-            <a:picLocks noChangeAspect="1"/>
-          </p:cNvPicPr>
-          <p:nvPr/>
-        </p:nvPicPr>
-        <p:blipFill rotWithShape="1">
-          <a:blip r:embed="rId2"/>
-          <a:srcRect l="46618" r="-1048"/>
-          <a:stretch/>
-        </p:blipFill>
-        <p:spPr>
-          <a:xfrm>
-            <a:off x="6710576" y="1779662"/>
-            <a:ext cx="1656185" cy="2304256"/>
-          </a:xfrm>
-          <a:prstGeom prst="rect">
-            <a:avLst/>
-          </a:prstGeom>
-        </p:spPr>
-      </p:pic>
-      <p:pic>
-        <p:nvPicPr>
-          <p:cNvPr id="1026" name="Picture 2" descr="Resultado de imagen de link icon png&quot;"/>
-          <p:cNvPicPr>
-            <a:picLocks noChangeAspect="1" noChangeArrowheads="1"/>
-          </p:cNvPicPr>
-          <p:nvPr/>
-        </p:nvPicPr>
-        <p:blipFill>
-          <a:blip r:embed="rId3">
+      <p:sp>
+        <p:nvSpPr>
+          <p:cNvPr id="19" name="CuadroTexto 30">
             <a:extLst>
-              <a:ext uri="{28A0092B-C50C-407E-A947-70E740481C1C}">
-                <a14:useLocalDpi xmlns:a14="http://schemas.microsoft.com/office/drawing/2010/main" val="0"/>
+              <a:ext uri="{FF2B5EF4-FFF2-40B4-BE49-F238E27FC236}">
+                <a16:creationId xmlns:a16="http://schemas.microsoft.com/office/drawing/2014/main" id="{D4F359E6-051F-AB40-A143-D17149AF09C3}"/>
               </a:ext>
             </a:extLst>
-          </a:blip>
-          <a:srcRect/>
-          <a:stretch>
-            <a:fillRect/>
-          </a:stretch>
-        </p:blipFill>
-        <p:spPr bwMode="auto">
-          <a:xfrm>
-            <a:off x="6156176" y="2787774"/>
-            <a:ext cx="223853" cy="223853"/>
-          </a:xfrm>
-          <a:prstGeom prst="rect">
-            <a:avLst/>
-          </a:prstGeom>
-          <a:noFill/>
-          <a:extLst>
-            <a:ext uri="{909E8E84-426E-40DD-AFC4-6F175D3DCCD1}">
-              <a14:hiddenFill xmlns:a14="http://schemas.microsoft.com/office/drawing/2010/main">
-                <a:solidFill>
-                  <a:srgbClr val="FFFFFF"/>
-                </a:solidFill>
-              </a14:hiddenFill>
-            </a:ext>
-          </a:extLst>
-        </p:spPr>
-      </p:pic>
-      <p:sp>
-        <p:nvSpPr>
-          <p:cNvPr id="31" name="CuadroTexto 30"/>
+          </p:cNvPr>
           <p:cNvSpPr txBox="1"/>
           <p:nvPr/>
         </p:nvSpPr>
         <p:spPr>
           <a:xfrm>
-            <a:off x="4261107" y="4198316"/>
+            <a:off x="5629260" y="4198316"/>
             <a:ext cx="1557887" cy="307777"/>
           </a:xfrm>
           <a:prstGeom prst="rect">
@@ -28302,12 +28232,12 @@
           <a:p>
             <a:pPr algn="ctr"/>
             <a:r>
-              <a:rPr lang="es-ES" dirty="0">
+              <a:rPr lang="es-ES" dirty="0" err="1">
                 <a:solidFill>
                   <a:schemeClr val="tx1"/>
                 </a:solidFill>
               </a:rPr>
-              <a:t>Aplicación 1</a:t>
+              <a:t>Activity</a:t>
             </a:r>
             <a:endParaRPr lang="es-CO" dirty="0">
               <a:solidFill>
@@ -28317,709 +28247,22 @@
           </a:p>
         </p:txBody>
       </p:sp>
-      <p:sp>
-        <p:nvSpPr>
-          <p:cNvPr id="34" name="CuadroTexto 33"/>
-          <p:cNvSpPr txBox="1"/>
-          <p:nvPr/>
-        </p:nvSpPr>
-        <p:spPr>
-          <a:xfrm>
-            <a:off x="6759724" y="4198315"/>
-            <a:ext cx="1557887" cy="307777"/>
-          </a:xfrm>
-          <a:prstGeom prst="rect">
-            <a:avLst/>
-          </a:prstGeom>
-          <a:noFill/>
-        </p:spPr>
-        <p:txBody>
-          <a:bodyPr wrap="square" rtlCol="0">
-            <a:spAutoFit/>
-          </a:bodyPr>
-          <a:lstStyle/>
-          <a:p>
-            <a:pPr algn="ctr"/>
-            <a:r>
-              <a:rPr lang="es-ES" dirty="0">
-                <a:solidFill>
-                  <a:schemeClr val="tx1"/>
-                </a:solidFill>
-              </a:rPr>
-              <a:t>Aplicación 2</a:t>
-            </a:r>
-            <a:endParaRPr lang="es-CO" dirty="0">
-              <a:solidFill>
-                <a:schemeClr val="tx1"/>
-              </a:solidFill>
-            </a:endParaRPr>
-          </a:p>
-        </p:txBody>
-      </p:sp>
-      <p:sp>
-        <p:nvSpPr>
-          <p:cNvPr id="15" name="Marcador de contenido 2"/>
-          <p:cNvSpPr>
-            <a:spLocks noGrp="1"/>
-          </p:cNvSpPr>
-          <p:nvPr>
-            <p:ph idx="1"/>
-          </p:nvPr>
-        </p:nvSpPr>
-        <p:spPr>
-          <a:xfrm>
-            <a:off x="899592" y="1779663"/>
-            <a:ext cx="3145491" cy="2622158"/>
-          </a:xfrm>
-        </p:spPr>
-        <p:txBody>
-          <a:bodyPr/>
-          <a:lstStyle/>
-          <a:p>
-            <a:r>
-              <a:rPr lang="es-ES" dirty="0"/>
-              <a:t>Luego, cree un enlace con sus conocimientos en programación en red, y transmita su </a:t>
-            </a:r>
-            <a:r>
-              <a:rPr lang="es-ES" b="1" i="1" dirty="0"/>
-              <a:t>ubicación</a:t>
-            </a:r>
-            <a:r>
-              <a:rPr lang="es-ES" dirty="0"/>
-              <a:t>.</a:t>
-            </a:r>
-          </a:p>
-          <a:p>
-            <a:endParaRPr lang="es-ES" b="1" i="1" dirty="0"/>
-          </a:p>
-          <a:p>
-            <a:r>
-              <a:rPr lang="es-ES" b="1" i="1" dirty="0"/>
-              <a:t>Usted y su compañero debe unirse con otro grupo para este fin.</a:t>
-            </a:r>
-          </a:p>
-          <a:p>
-            <a:endParaRPr lang="es-ES" dirty="0"/>
-          </a:p>
-        </p:txBody>
-      </p:sp>
       <p:pic>
         <p:nvPicPr>
-          <p:cNvPr id="14" name="Picture 4" descr="Resultado de imagen de location icon png&quot;"/>
+          <p:cNvPr id="20" name="Picture 4" descr="Resultado de imagen de location icon png&quot;">
+            <a:extLst>
+              <a:ext uri="{FF2B5EF4-FFF2-40B4-BE49-F238E27FC236}">
+                <a16:creationId xmlns:a16="http://schemas.microsoft.com/office/drawing/2014/main" id="{148321FF-2702-3B48-8C97-5BBF5472C461}"/>
+              </a:ext>
+            </a:extLst>
+          </p:cNvPr>
           <p:cNvPicPr>
             <a:picLocks noChangeAspect="1" noChangeArrowheads="1"/>
           </p:cNvPicPr>
           <p:nvPr/>
         </p:nvPicPr>
         <p:blipFill>
-          <a:blip r:embed="rId4">
-            <a:extLst>
-              <a:ext uri="{28A0092B-C50C-407E-A947-70E740481C1C}">
-                <a14:useLocalDpi xmlns:a14="http://schemas.microsoft.com/office/drawing/2010/main" val="0"/>
-              </a:ext>
-            </a:extLst>
-          </a:blip>
-          <a:srcRect/>
-          <a:stretch>
-            <a:fillRect/>
-          </a:stretch>
-        </p:blipFill>
-        <p:spPr bwMode="auto">
-          <a:xfrm>
-            <a:off x="4987318" y="2018214"/>
-            <a:ext cx="382048" cy="382048"/>
-          </a:xfrm>
-          <a:prstGeom prst="rect">
-            <a:avLst/>
-          </a:prstGeom>
-          <a:noFill/>
-          <a:extLst>
-            <a:ext uri="{909E8E84-426E-40DD-AFC4-6F175D3DCCD1}">
-              <a14:hiddenFill xmlns:a14="http://schemas.microsoft.com/office/drawing/2010/main">
-                <a:solidFill>
-                  <a:srgbClr val="FFFFFF"/>
-                </a:solidFill>
-              </a14:hiddenFill>
-            </a:ext>
-          </a:extLst>
-        </p:spPr>
-      </p:pic>
-      <p:pic>
-        <p:nvPicPr>
-          <p:cNvPr id="16" name="Picture 4" descr="Resultado de imagen de location icon png&quot;"/>
-          <p:cNvPicPr>
-            <a:picLocks noChangeAspect="1" noChangeArrowheads="1"/>
-          </p:cNvPicPr>
-          <p:nvPr/>
-        </p:nvPicPr>
-        <p:blipFill>
-          <a:blip r:embed="rId4">
-            <a:extLst>
-              <a:ext uri="{28A0092B-C50C-407E-A947-70E740481C1C}">
-                <a14:useLocalDpi xmlns:a14="http://schemas.microsoft.com/office/drawing/2010/main" val="0"/>
-              </a:ext>
-            </a:extLst>
-          </a:blip>
-          <a:srcRect/>
-          <a:stretch>
-            <a:fillRect/>
-          </a:stretch>
-        </p:blipFill>
-        <p:spPr bwMode="auto">
-          <a:xfrm>
-            <a:off x="6918780" y="2931790"/>
-            <a:ext cx="382048" cy="382048"/>
-          </a:xfrm>
-          <a:prstGeom prst="rect">
-            <a:avLst/>
-          </a:prstGeom>
-          <a:noFill/>
-          <a:extLst>
-            <a:ext uri="{909E8E84-426E-40DD-AFC4-6F175D3DCCD1}">
-              <a14:hiddenFill xmlns:a14="http://schemas.microsoft.com/office/drawing/2010/main">
-                <a:solidFill>
-                  <a:srgbClr val="FFFFFF"/>
-                </a:solidFill>
-              </a14:hiddenFill>
-            </a:ext>
-          </a:extLst>
-        </p:spPr>
-      </p:pic>
-    </p:spTree>
-    <p:extLst>
-      <p:ext uri="{BB962C8B-B14F-4D97-AF65-F5344CB8AC3E}">
-        <p14:creationId xmlns:p14="http://schemas.microsoft.com/office/powerpoint/2010/main" val="2298933170"/>
-      </p:ext>
-    </p:extLst>
-  </p:cSld>
-  <p:clrMapOvr>
-    <a:masterClrMapping/>
-  </p:clrMapOvr>
-</p:sld>
-</file>
-
-<file path=ppt/slides/slide56.xml><?xml version="1.0" encoding="utf-8"?>
-<p:sld xmlns:a="http://schemas.openxmlformats.org/drawingml/2006/main" xmlns:r="http://schemas.openxmlformats.org/officeDocument/2006/relationships" xmlns:p="http://schemas.openxmlformats.org/presentationml/2006/main">
-  <p:cSld>
-    <p:spTree>
-      <p:nvGrpSpPr>
-        <p:cNvPr id="1" name=""/>
-        <p:cNvGrpSpPr/>
-        <p:nvPr/>
-      </p:nvGrpSpPr>
-      <p:grpSpPr>
-        <a:xfrm>
-          <a:off x="0" y="0"/>
-          <a:ext cx="0" cy="0"/>
-          <a:chOff x="0" y="0"/>
-          <a:chExt cx="0" cy="0"/>
-        </a:xfrm>
-      </p:grpSpPr>
-      <p:cxnSp>
-        <p:nvCxnSpPr>
-          <p:cNvPr id="32" name="Conector recto 31"/>
-          <p:cNvCxnSpPr/>
-          <p:nvPr/>
-        </p:nvCxnSpPr>
-        <p:spPr>
-          <a:xfrm>
-            <a:off x="6372200" y="2931790"/>
-            <a:ext cx="432048" cy="0"/>
-          </a:xfrm>
-          <a:prstGeom prst="line">
-            <a:avLst/>
-          </a:prstGeom>
-        </p:spPr>
-        <p:style>
-          <a:lnRef idx="1">
-            <a:schemeClr val="accent1"/>
-          </a:lnRef>
-          <a:fillRef idx="0">
-            <a:schemeClr val="accent1"/>
-          </a:fillRef>
-          <a:effectRef idx="0">
-            <a:schemeClr val="accent1"/>
-          </a:effectRef>
-          <a:fontRef idx="minor">
-            <a:schemeClr val="tx1"/>
-          </a:fontRef>
-        </p:style>
-      </p:cxnSp>
-      <p:cxnSp>
-        <p:nvCxnSpPr>
-          <p:cNvPr id="30" name="Conector recto 29"/>
-          <p:cNvCxnSpPr/>
-          <p:nvPr/>
-        </p:nvCxnSpPr>
-        <p:spPr>
-          <a:xfrm>
-            <a:off x="5724128" y="2931790"/>
-            <a:ext cx="432048" cy="0"/>
-          </a:xfrm>
-          <a:prstGeom prst="line">
-            <a:avLst/>
-          </a:prstGeom>
-        </p:spPr>
-        <p:style>
-          <a:lnRef idx="1">
-            <a:schemeClr val="accent1"/>
-          </a:lnRef>
-          <a:fillRef idx="0">
-            <a:schemeClr val="accent1"/>
-          </a:fillRef>
-          <a:effectRef idx="0">
-            <a:schemeClr val="accent1"/>
-          </a:effectRef>
-          <a:fontRef idx="minor">
-            <a:schemeClr val="tx1"/>
-          </a:fontRef>
-        </p:style>
-      </p:cxnSp>
-      <p:sp>
-        <p:nvSpPr>
-          <p:cNvPr id="2" name="Título 1"/>
-          <p:cNvSpPr>
-            <a:spLocks noGrp="1"/>
-          </p:cNvSpPr>
-          <p:nvPr>
-            <p:ph type="title"/>
-          </p:nvPr>
-        </p:nvSpPr>
-        <p:spPr/>
-        <p:txBody>
-          <a:bodyPr/>
-          <a:lstStyle/>
-          <a:p>
-            <a:r>
-              <a:rPr lang="es-ES" dirty="0"/>
-              <a:t>Ejercicio en clase</a:t>
-            </a:r>
-            <a:endParaRPr lang="es-CO" dirty="0"/>
-          </a:p>
-        </p:txBody>
-      </p:sp>
-      <p:sp>
-        <p:nvSpPr>
-          <p:cNvPr id="13" name="Elipse 12"/>
-          <p:cNvSpPr/>
-          <p:nvPr/>
-        </p:nvSpPr>
-        <p:spPr>
-          <a:xfrm>
-            <a:off x="6084168" y="2723897"/>
-            <a:ext cx="360040" cy="360040"/>
-          </a:xfrm>
-          <a:prstGeom prst="ellipse">
-            <a:avLst/>
-          </a:prstGeom>
-        </p:spPr>
-        <p:style>
-          <a:lnRef idx="2">
-            <a:schemeClr val="accent1">
-              <a:shade val="50000"/>
-            </a:schemeClr>
-          </a:lnRef>
-          <a:fillRef idx="1">
-            <a:schemeClr val="accent1"/>
-          </a:fillRef>
-          <a:effectRef idx="0">
-            <a:schemeClr val="accent1"/>
-          </a:effectRef>
-          <a:fontRef idx="minor">
-            <a:schemeClr val="lt1"/>
-          </a:fontRef>
-        </p:style>
-        <p:txBody>
-          <a:bodyPr rtlCol="0" anchor="ctr"/>
-          <a:lstStyle/>
-          <a:p>
-            <a:pPr algn="ctr"/>
-            <a:endParaRPr lang="es-CO"/>
-          </a:p>
-        </p:txBody>
-      </p:sp>
-      <p:sp>
-        <p:nvSpPr>
-          <p:cNvPr id="6" name="Rectángulo 5"/>
-          <p:cNvSpPr/>
-          <p:nvPr/>
-        </p:nvSpPr>
-        <p:spPr>
-          <a:xfrm>
-            <a:off x="4211960" y="1779662"/>
-            <a:ext cx="1656184" cy="2304256"/>
-          </a:xfrm>
-          <a:prstGeom prst="rect">
-            <a:avLst/>
-          </a:prstGeom>
-        </p:spPr>
-        <p:style>
-          <a:lnRef idx="2">
-            <a:schemeClr val="accent1">
-              <a:shade val="50000"/>
-            </a:schemeClr>
-          </a:lnRef>
-          <a:fillRef idx="1">
-            <a:schemeClr val="accent1"/>
-          </a:fillRef>
-          <a:effectRef idx="0">
-            <a:schemeClr val="accent1"/>
-          </a:effectRef>
-          <a:fontRef idx="minor">
-            <a:schemeClr val="lt1"/>
-          </a:fontRef>
-        </p:style>
-        <p:txBody>
-          <a:bodyPr rtlCol="0" anchor="ctr"/>
-          <a:lstStyle/>
-          <a:p>
-            <a:pPr algn="ctr"/>
-            <a:endParaRPr lang="es-CO"/>
-          </a:p>
-        </p:txBody>
-      </p:sp>
-      <p:sp>
-        <p:nvSpPr>
-          <p:cNvPr id="7" name="Rectángulo 6"/>
-          <p:cNvSpPr/>
-          <p:nvPr/>
-        </p:nvSpPr>
-        <p:spPr>
-          <a:xfrm>
-            <a:off x="6710576" y="1779662"/>
-            <a:ext cx="1656184" cy="2304256"/>
-          </a:xfrm>
-          <a:prstGeom prst="rect">
-            <a:avLst/>
-          </a:prstGeom>
-        </p:spPr>
-        <p:style>
-          <a:lnRef idx="2">
-            <a:schemeClr val="accent1">
-              <a:shade val="50000"/>
-            </a:schemeClr>
-          </a:lnRef>
-          <a:fillRef idx="1">
-            <a:schemeClr val="accent1"/>
-          </a:fillRef>
-          <a:effectRef idx="0">
-            <a:schemeClr val="accent1"/>
-          </a:effectRef>
-          <a:fontRef idx="minor">
-            <a:schemeClr val="lt1"/>
-          </a:fontRef>
-        </p:style>
-        <p:txBody>
-          <a:bodyPr rtlCol="0" anchor="ctr"/>
-          <a:lstStyle/>
-          <a:p>
-            <a:pPr algn="ctr"/>
-            <a:endParaRPr lang="es-CO"/>
-          </a:p>
-        </p:txBody>
-      </p:sp>
-      <p:pic>
-        <p:nvPicPr>
-          <p:cNvPr id="11" name="Imagen 10"/>
-          <p:cNvPicPr>
-            <a:picLocks noChangeAspect="1"/>
-          </p:cNvPicPr>
-          <p:nvPr/>
-        </p:nvPicPr>
-        <p:blipFill rotWithShape="1">
-          <a:blip r:embed="rId2"/>
-          <a:srcRect l="18932" r="26638"/>
-          <a:stretch/>
-        </p:blipFill>
-        <p:spPr>
-          <a:xfrm>
-            <a:off x="4211959" y="1779662"/>
-            <a:ext cx="1656185" cy="2304256"/>
-          </a:xfrm>
-          <a:prstGeom prst="rect">
-            <a:avLst/>
-          </a:prstGeom>
-        </p:spPr>
-      </p:pic>
-      <p:pic>
-        <p:nvPicPr>
-          <p:cNvPr id="12" name="Imagen 11"/>
-          <p:cNvPicPr>
-            <a:picLocks noChangeAspect="1"/>
-          </p:cNvPicPr>
-          <p:nvPr/>
-        </p:nvPicPr>
-        <p:blipFill rotWithShape="1">
-          <a:blip r:embed="rId2"/>
-          <a:srcRect l="46618" r="-1048"/>
-          <a:stretch/>
-        </p:blipFill>
-        <p:spPr>
-          <a:xfrm>
-            <a:off x="6710576" y="1779662"/>
-            <a:ext cx="1656185" cy="2304256"/>
-          </a:xfrm>
-          <a:prstGeom prst="rect">
-            <a:avLst/>
-          </a:prstGeom>
-        </p:spPr>
-      </p:pic>
-      <p:pic>
-        <p:nvPicPr>
-          <p:cNvPr id="1026" name="Picture 2" descr="Resultado de imagen de link icon png&quot;"/>
-          <p:cNvPicPr>
-            <a:picLocks noChangeAspect="1" noChangeArrowheads="1"/>
-          </p:cNvPicPr>
-          <p:nvPr/>
-        </p:nvPicPr>
-        <p:blipFill>
           <a:blip r:embed="rId3">
-            <a:extLst>
-              <a:ext uri="{28A0092B-C50C-407E-A947-70E740481C1C}">
-                <a14:useLocalDpi xmlns:a14="http://schemas.microsoft.com/office/drawing/2010/main" val="0"/>
-              </a:ext>
-            </a:extLst>
-          </a:blip>
-          <a:srcRect/>
-          <a:stretch>
-            <a:fillRect/>
-          </a:stretch>
-        </p:blipFill>
-        <p:spPr bwMode="auto">
-          <a:xfrm>
-            <a:off x="6156176" y="2787774"/>
-            <a:ext cx="223853" cy="223853"/>
-          </a:xfrm>
-          <a:prstGeom prst="rect">
-            <a:avLst/>
-          </a:prstGeom>
-          <a:noFill/>
-          <a:extLst>
-            <a:ext uri="{909E8E84-426E-40DD-AFC4-6F175D3DCCD1}">
-              <a14:hiddenFill xmlns:a14="http://schemas.microsoft.com/office/drawing/2010/main">
-                <a:solidFill>
-                  <a:srgbClr val="FFFFFF"/>
-                </a:solidFill>
-              </a14:hiddenFill>
-            </a:ext>
-          </a:extLst>
-        </p:spPr>
-      </p:pic>
-      <p:sp>
-        <p:nvSpPr>
-          <p:cNvPr id="31" name="CuadroTexto 30"/>
-          <p:cNvSpPr txBox="1"/>
-          <p:nvPr/>
-        </p:nvSpPr>
-        <p:spPr>
-          <a:xfrm>
-            <a:off x="4261107" y="4198316"/>
-            <a:ext cx="1557887" cy="307777"/>
-          </a:xfrm>
-          <a:prstGeom prst="rect">
-            <a:avLst/>
-          </a:prstGeom>
-          <a:noFill/>
-        </p:spPr>
-        <p:txBody>
-          <a:bodyPr wrap="square" rtlCol="0">
-            <a:spAutoFit/>
-          </a:bodyPr>
-          <a:lstStyle/>
-          <a:p>
-            <a:pPr algn="ctr"/>
-            <a:r>
-              <a:rPr lang="es-ES" dirty="0">
-                <a:solidFill>
-                  <a:schemeClr val="tx1"/>
-                </a:solidFill>
-              </a:rPr>
-              <a:t>Aplicación 1</a:t>
-            </a:r>
-            <a:endParaRPr lang="es-CO" dirty="0">
-              <a:solidFill>
-                <a:schemeClr val="tx1"/>
-              </a:solidFill>
-            </a:endParaRPr>
-          </a:p>
-        </p:txBody>
-      </p:sp>
-      <p:sp>
-        <p:nvSpPr>
-          <p:cNvPr id="34" name="CuadroTexto 33"/>
-          <p:cNvSpPr txBox="1"/>
-          <p:nvPr/>
-        </p:nvSpPr>
-        <p:spPr>
-          <a:xfrm>
-            <a:off x="6759724" y="4198315"/>
-            <a:ext cx="1557887" cy="307777"/>
-          </a:xfrm>
-          <a:prstGeom prst="rect">
-            <a:avLst/>
-          </a:prstGeom>
-          <a:noFill/>
-        </p:spPr>
-        <p:txBody>
-          <a:bodyPr wrap="square" rtlCol="0">
-            <a:spAutoFit/>
-          </a:bodyPr>
-          <a:lstStyle/>
-          <a:p>
-            <a:pPr algn="ctr"/>
-            <a:r>
-              <a:rPr lang="es-ES" dirty="0">
-                <a:solidFill>
-                  <a:schemeClr val="tx1"/>
-                </a:solidFill>
-              </a:rPr>
-              <a:t>Aplicación 2</a:t>
-            </a:r>
-            <a:endParaRPr lang="es-CO" dirty="0">
-              <a:solidFill>
-                <a:schemeClr val="tx1"/>
-              </a:solidFill>
-            </a:endParaRPr>
-          </a:p>
-        </p:txBody>
-      </p:sp>
-      <p:sp>
-        <p:nvSpPr>
-          <p:cNvPr id="15" name="Marcador de contenido 2"/>
-          <p:cNvSpPr>
-            <a:spLocks noGrp="1"/>
-          </p:cNvSpPr>
-          <p:nvPr>
-            <p:ph idx="1"/>
-          </p:nvPr>
-        </p:nvSpPr>
-        <p:spPr>
-          <a:xfrm>
-            <a:off x="899592" y="1779663"/>
-            <a:ext cx="3145491" cy="2622158"/>
-          </a:xfrm>
-        </p:spPr>
-        <p:txBody>
-          <a:bodyPr/>
-          <a:lstStyle/>
-          <a:p>
-            <a:r>
-              <a:rPr lang="es-ES" dirty="0"/>
-              <a:t>Debe poder ver a su compañero a través de cada una de las aplicaciones.</a:t>
-            </a:r>
-          </a:p>
-          <a:p>
-            <a:endParaRPr lang="es-ES" b="1" i="1" dirty="0"/>
-          </a:p>
-          <a:p>
-            <a:r>
-              <a:rPr lang="es-ES" b="1" i="1" dirty="0"/>
-              <a:t>CONSEJO:</a:t>
-            </a:r>
-          </a:p>
-          <a:p>
-            <a:r>
-              <a:rPr lang="es-ES" b="1" i="1" dirty="0"/>
-              <a:t>Use Datagramas para transmitir su ubicación a la otra aplicación.</a:t>
-            </a:r>
-          </a:p>
-          <a:p>
-            <a:endParaRPr lang="es-ES" dirty="0"/>
-          </a:p>
-        </p:txBody>
-      </p:sp>
-      <p:pic>
-        <p:nvPicPr>
-          <p:cNvPr id="14" name="Picture 4" descr="Resultado de imagen de location icon png&quot;"/>
-          <p:cNvPicPr>
-            <a:picLocks noChangeAspect="1" noChangeArrowheads="1"/>
-          </p:cNvPicPr>
-          <p:nvPr/>
-        </p:nvPicPr>
-        <p:blipFill>
-          <a:blip r:embed="rId4">
-            <a:extLst>
-              <a:ext uri="{28A0092B-C50C-407E-A947-70E740481C1C}">
-                <a14:useLocalDpi xmlns:a14="http://schemas.microsoft.com/office/drawing/2010/main" val="0"/>
-              </a:ext>
-            </a:extLst>
-          </a:blip>
-          <a:srcRect/>
-          <a:stretch>
-            <a:fillRect/>
-          </a:stretch>
-        </p:blipFill>
-        <p:spPr bwMode="auto">
-          <a:xfrm>
-            <a:off x="4987318" y="2018214"/>
-            <a:ext cx="382048" cy="382048"/>
-          </a:xfrm>
-          <a:prstGeom prst="rect">
-            <a:avLst/>
-          </a:prstGeom>
-          <a:noFill/>
-          <a:extLst>
-            <a:ext uri="{909E8E84-426E-40DD-AFC4-6F175D3DCCD1}">
-              <a14:hiddenFill xmlns:a14="http://schemas.microsoft.com/office/drawing/2010/main">
-                <a:solidFill>
-                  <a:srgbClr val="FFFFFF"/>
-                </a:solidFill>
-              </a14:hiddenFill>
-            </a:ext>
-          </a:extLst>
-        </p:spPr>
-      </p:pic>
-      <p:pic>
-        <p:nvPicPr>
-          <p:cNvPr id="16" name="Picture 4" descr="Resultado de imagen de location icon png&quot;"/>
-          <p:cNvPicPr>
-            <a:picLocks noChangeAspect="1" noChangeArrowheads="1"/>
-          </p:cNvPicPr>
-          <p:nvPr/>
-        </p:nvPicPr>
-        <p:blipFill>
-          <a:blip r:embed="rId4">
-            <a:extLst>
-              <a:ext uri="{28A0092B-C50C-407E-A947-70E740481C1C}">
-                <a14:useLocalDpi xmlns:a14="http://schemas.microsoft.com/office/drawing/2010/main" val="0"/>
-              </a:ext>
-            </a:extLst>
-          </a:blip>
-          <a:srcRect/>
-          <a:stretch>
-            <a:fillRect/>
-          </a:stretch>
-        </p:blipFill>
-        <p:spPr bwMode="auto">
-          <a:xfrm>
-            <a:off x="6918780" y="2931790"/>
-            <a:ext cx="382048" cy="382048"/>
-          </a:xfrm>
-          <a:prstGeom prst="rect">
-            <a:avLst/>
-          </a:prstGeom>
-          <a:noFill/>
-          <a:extLst>
-            <a:ext uri="{909E8E84-426E-40DD-AFC4-6F175D3DCCD1}">
-              <a14:hiddenFill xmlns:a14="http://schemas.microsoft.com/office/drawing/2010/main">
-                <a:solidFill>
-                  <a:srgbClr val="FFFFFF"/>
-                </a:solidFill>
-              </a14:hiddenFill>
-            </a:ext>
-          </a:extLst>
-        </p:spPr>
-      </p:pic>
-      <p:pic>
-        <p:nvPicPr>
-          <p:cNvPr id="17" name="Picture 4" descr="Resultado de imagen de location icon png&quot;"/>
-          <p:cNvPicPr>
-            <a:picLocks noChangeAspect="1" noChangeArrowheads="1"/>
-          </p:cNvPicPr>
-          <p:nvPr/>
-        </p:nvPicPr>
-        <p:blipFill>
-          <a:blip r:embed="rId4">
             <a:duotone>
               <a:schemeClr val="accent3">
                 <a:shade val="45000"/>
@@ -29040,7 +28283,7 @@
         </p:blipFill>
         <p:spPr bwMode="auto">
           <a:xfrm>
-            <a:off x="5259436" y="2924238"/>
+            <a:off x="6217179" y="2660627"/>
             <a:ext cx="382048" cy="382048"/>
           </a:xfrm>
           <a:prstGeom prst="rect">
@@ -29058,9 +28301,269 @@
           </a:extLst>
         </p:spPr>
       </p:pic>
+      <p:sp>
+        <p:nvSpPr>
+          <p:cNvPr id="21" name="Rectangle 20">
+            <a:extLst>
+              <a:ext uri="{FF2B5EF4-FFF2-40B4-BE49-F238E27FC236}">
+                <a16:creationId xmlns:a16="http://schemas.microsoft.com/office/drawing/2014/main" id="{4633E616-A32D-2F4C-9DF9-55C11828E1BD}"/>
+              </a:ext>
+            </a:extLst>
+          </p:cNvPr>
+          <p:cNvSpPr/>
+          <p:nvPr/>
+        </p:nvSpPr>
+        <p:spPr>
+          <a:xfrm>
+            <a:off x="5652120" y="1851670"/>
+            <a:ext cx="144016" cy="144016"/>
+          </a:xfrm>
+          <a:prstGeom prst="rect">
+            <a:avLst/>
+          </a:prstGeom>
+          <a:solidFill>
+            <a:schemeClr val="bg1"/>
+          </a:solidFill>
+        </p:spPr>
+        <p:style>
+          <a:lnRef idx="2">
+            <a:schemeClr val="accent1">
+              <a:shade val="50000"/>
+            </a:schemeClr>
+          </a:lnRef>
+          <a:fillRef idx="1">
+            <a:schemeClr val="accent1"/>
+          </a:fillRef>
+          <a:effectRef idx="0">
+            <a:schemeClr val="accent1"/>
+          </a:effectRef>
+          <a:fontRef idx="minor">
+            <a:schemeClr val="lt1"/>
+          </a:fontRef>
+        </p:style>
+        <p:txBody>
+          <a:bodyPr rtlCol="0" anchor="ctr"/>
+          <a:lstStyle/>
+          <a:p>
+            <a:pPr algn="ctr"/>
+            <a:endParaRPr lang="en-US"/>
+          </a:p>
+        </p:txBody>
+      </p:sp>
+      <p:sp>
+        <p:nvSpPr>
+          <p:cNvPr id="22" name="Rectangle 21">
+            <a:extLst>
+              <a:ext uri="{FF2B5EF4-FFF2-40B4-BE49-F238E27FC236}">
+                <a16:creationId xmlns:a16="http://schemas.microsoft.com/office/drawing/2014/main" id="{18D3C7D2-C3C4-B245-8C33-CEF496E3952C}"/>
+              </a:ext>
+            </a:extLst>
+          </p:cNvPr>
+          <p:cNvSpPr/>
+          <p:nvPr/>
+        </p:nvSpPr>
+        <p:spPr>
+          <a:xfrm>
+            <a:off x="5652120" y="2066354"/>
+            <a:ext cx="144016" cy="144016"/>
+          </a:xfrm>
+          <a:prstGeom prst="rect">
+            <a:avLst/>
+          </a:prstGeom>
+          <a:solidFill>
+            <a:schemeClr val="bg1"/>
+          </a:solidFill>
+        </p:spPr>
+        <p:style>
+          <a:lnRef idx="2">
+            <a:schemeClr val="accent1">
+              <a:shade val="50000"/>
+            </a:schemeClr>
+          </a:lnRef>
+          <a:fillRef idx="1">
+            <a:schemeClr val="accent1"/>
+          </a:fillRef>
+          <a:effectRef idx="0">
+            <a:schemeClr val="accent1"/>
+          </a:effectRef>
+          <a:fontRef idx="minor">
+            <a:schemeClr val="lt1"/>
+          </a:fontRef>
+        </p:style>
+        <p:txBody>
+          <a:bodyPr rtlCol="0" anchor="ctr"/>
+          <a:lstStyle/>
+          <a:p>
+            <a:pPr algn="ctr"/>
+            <a:endParaRPr lang="en-US"/>
+          </a:p>
+        </p:txBody>
+      </p:sp>
+      <p:sp>
+        <p:nvSpPr>
+          <p:cNvPr id="23" name="Rectangle 22">
+            <a:extLst>
+              <a:ext uri="{FF2B5EF4-FFF2-40B4-BE49-F238E27FC236}">
+                <a16:creationId xmlns:a16="http://schemas.microsoft.com/office/drawing/2014/main" id="{04776925-28CF-9B45-A535-2C8133A3CFBA}"/>
+              </a:ext>
+            </a:extLst>
+          </p:cNvPr>
+          <p:cNvSpPr/>
+          <p:nvPr/>
+        </p:nvSpPr>
+        <p:spPr>
+          <a:xfrm>
+            <a:off x="5652120" y="2281038"/>
+            <a:ext cx="144016" cy="144016"/>
+          </a:xfrm>
+          <a:prstGeom prst="rect">
+            <a:avLst/>
+          </a:prstGeom>
+          <a:solidFill>
+            <a:schemeClr val="bg1"/>
+          </a:solidFill>
+        </p:spPr>
+        <p:style>
+          <a:lnRef idx="2">
+            <a:schemeClr val="accent1">
+              <a:shade val="50000"/>
+            </a:schemeClr>
+          </a:lnRef>
+          <a:fillRef idx="1">
+            <a:schemeClr val="accent1"/>
+          </a:fillRef>
+          <a:effectRef idx="0">
+            <a:schemeClr val="accent1"/>
+          </a:effectRef>
+          <a:fontRef idx="minor">
+            <a:schemeClr val="lt1"/>
+          </a:fontRef>
+        </p:style>
+        <p:txBody>
+          <a:bodyPr rtlCol="0" anchor="ctr"/>
+          <a:lstStyle/>
+          <a:p>
+            <a:pPr algn="ctr"/>
+            <a:endParaRPr lang="en-US"/>
+          </a:p>
+        </p:txBody>
+      </p:sp>
+      <p:sp>
+        <p:nvSpPr>
+          <p:cNvPr id="24" name="TextBox 23">
+            <a:extLst>
+              <a:ext uri="{FF2B5EF4-FFF2-40B4-BE49-F238E27FC236}">
+                <a16:creationId xmlns:a16="http://schemas.microsoft.com/office/drawing/2014/main" id="{D1453F9A-3F32-004F-B484-332CCDFFAE69}"/>
+              </a:ext>
+            </a:extLst>
+          </p:cNvPr>
+          <p:cNvSpPr txBox="1"/>
+          <p:nvPr/>
+        </p:nvSpPr>
+        <p:spPr>
+          <a:xfrm>
+            <a:off x="5770883" y="1796496"/>
+            <a:ext cx="864096" cy="246221"/>
+          </a:xfrm>
+          <a:prstGeom prst="rect">
+            <a:avLst/>
+          </a:prstGeom>
+          <a:noFill/>
+        </p:spPr>
+        <p:txBody>
+          <a:bodyPr wrap="square" rtlCol="0">
+            <a:spAutoFit/>
+          </a:bodyPr>
+          <a:lstStyle/>
+          <a:p>
+            <a:r>
+              <a:rPr lang="en-US" sz="1000" dirty="0"/>
+              <a:t>Central</a:t>
+            </a:r>
+          </a:p>
+        </p:txBody>
+      </p:sp>
+      <p:sp>
+        <p:nvSpPr>
+          <p:cNvPr id="25" name="TextBox 24">
+            <a:extLst>
+              <a:ext uri="{FF2B5EF4-FFF2-40B4-BE49-F238E27FC236}">
+                <a16:creationId xmlns:a16="http://schemas.microsoft.com/office/drawing/2014/main" id="{6065A79A-7C96-964C-A6AD-8D8E74542B54}"/>
+              </a:ext>
+            </a:extLst>
+          </p:cNvPr>
+          <p:cNvSpPr txBox="1"/>
+          <p:nvPr/>
+        </p:nvSpPr>
+        <p:spPr>
+          <a:xfrm>
+            <a:off x="5790546" y="2009342"/>
+            <a:ext cx="864096" cy="246221"/>
+          </a:xfrm>
+          <a:prstGeom prst="rect">
+            <a:avLst/>
+          </a:prstGeom>
+          <a:noFill/>
+        </p:spPr>
+        <p:txBody>
+          <a:bodyPr wrap="square" rtlCol="0">
+            <a:spAutoFit/>
+          </a:bodyPr>
+          <a:lstStyle/>
+          <a:p>
+            <a:r>
+              <a:rPr lang="en-US" sz="1000" dirty="0" err="1"/>
+              <a:t>Samán</a:t>
+            </a:r>
+            <a:endParaRPr lang="en-US" sz="1000" dirty="0"/>
+          </a:p>
+        </p:txBody>
+      </p:sp>
+      <p:sp>
+        <p:nvSpPr>
+          <p:cNvPr id="26" name="TextBox 25">
+            <a:extLst>
+              <a:ext uri="{FF2B5EF4-FFF2-40B4-BE49-F238E27FC236}">
+                <a16:creationId xmlns:a16="http://schemas.microsoft.com/office/drawing/2014/main" id="{BC0EE75C-C92A-324E-82AA-84F9A4285EE5}"/>
+              </a:ext>
+            </a:extLst>
+          </p:cNvPr>
+          <p:cNvSpPr txBox="1"/>
+          <p:nvPr/>
+        </p:nvSpPr>
+        <p:spPr>
+          <a:xfrm>
+            <a:off x="5790546" y="2221864"/>
+            <a:ext cx="864096" cy="246221"/>
+          </a:xfrm>
+          <a:prstGeom prst="rect">
+            <a:avLst/>
+          </a:prstGeom>
+          <a:noFill/>
+        </p:spPr>
+        <p:txBody>
+          <a:bodyPr wrap="square" rtlCol="0">
+            <a:spAutoFit/>
+          </a:bodyPr>
+          <a:lstStyle/>
+          <a:p>
+            <a:r>
+              <a:rPr lang="en-US" sz="1000" dirty="0" err="1"/>
+              <a:t>Auditorios</a:t>
+            </a:r>
+            <a:endParaRPr lang="en-US" sz="1000" dirty="0"/>
+          </a:p>
+        </p:txBody>
+      </p:sp>
       <p:pic>
         <p:nvPicPr>
-          <p:cNvPr id="18" name="Picture 4" descr="Resultado de imagen de location icon png&quot;"/>
+          <p:cNvPr id="27" name="Picture 2" descr="Resultado de imagen para chulo png">
+            <a:extLst>
+              <a:ext uri="{FF2B5EF4-FFF2-40B4-BE49-F238E27FC236}">
+                <a16:creationId xmlns:a16="http://schemas.microsoft.com/office/drawing/2014/main" id="{47BCF888-B144-6A47-BCA0-51ED15861336}"/>
+              </a:ext>
+            </a:extLst>
+          </p:cNvPr>
           <p:cNvPicPr>
             <a:picLocks noChangeAspect="1" noChangeArrowheads="1"/>
           </p:cNvPicPr>
@@ -29068,13 +28571,6 @@
         </p:nvPicPr>
         <p:blipFill>
           <a:blip r:embed="rId4">
-            <a:duotone>
-              <a:schemeClr val="accent3">
-                <a:shade val="45000"/>
-                <a:satMod val="135000"/>
-              </a:schemeClr>
-              <a:prstClr val="white"/>
-            </a:duotone>
             <a:extLst>
               <a:ext uri="{28A0092B-C50C-407E-A947-70E740481C1C}">
                 <a14:useLocalDpi xmlns:a14="http://schemas.microsoft.com/office/drawing/2010/main" val="0"/>
@@ -29088,8 +28584,8 @@
         </p:blipFill>
         <p:spPr bwMode="auto">
           <a:xfrm>
-            <a:off x="6677039" y="2038672"/>
-            <a:ext cx="382048" cy="382048"/>
+            <a:off x="5649104" y="1803945"/>
+            <a:ext cx="195046" cy="222439"/>
           </a:xfrm>
           <a:prstGeom prst="rect">
             <a:avLst/>
@@ -29106,10 +28602,57 @@
           </a:extLst>
         </p:spPr>
       </p:pic>
+      <p:pic>
+        <p:nvPicPr>
+          <p:cNvPr id="28" name="Picture 2" descr="Resultado de imagen para chulo png">
+            <a:extLst>
+              <a:ext uri="{FF2B5EF4-FFF2-40B4-BE49-F238E27FC236}">
+                <a16:creationId xmlns:a16="http://schemas.microsoft.com/office/drawing/2014/main" id="{F854C9C4-594F-504D-A34B-B1695B7DBD47}"/>
+              </a:ext>
+            </a:extLst>
+          </p:cNvPr>
+          <p:cNvPicPr>
+            <a:picLocks noChangeAspect="1" noChangeArrowheads="1"/>
+          </p:cNvPicPr>
+          <p:nvPr/>
+        </p:nvPicPr>
+        <p:blipFill>
+          <a:blip r:embed="rId4">
+            <a:extLst>
+              <a:ext uri="{28A0092B-C50C-407E-A947-70E740481C1C}">
+                <a14:useLocalDpi xmlns:a14="http://schemas.microsoft.com/office/drawing/2010/main" val="0"/>
+              </a:ext>
+            </a:extLst>
+          </a:blip>
+          <a:srcRect/>
+          <a:stretch>
+            <a:fillRect/>
+          </a:stretch>
+        </p:blipFill>
+        <p:spPr bwMode="auto">
+          <a:xfrm>
+            <a:off x="5649467" y="2013208"/>
+            <a:ext cx="195046" cy="222439"/>
+          </a:xfrm>
+          <a:prstGeom prst="rect">
+            <a:avLst/>
+          </a:prstGeom>
+          <a:noFill/>
+          <a:extLst>
+            <a:ext uri="{909E8E84-426E-40DD-AFC4-6F175D3DCCD1}">
+              <a14:hiddenFill xmlns:a14="http://schemas.microsoft.com/office/drawing/2010/main">
+                <a:solidFill>
+                  <a:srgbClr val="FFFFFF"/>
+                </a:solidFill>
+              </a14:hiddenFill>
+            </a:ext>
+          </a:extLst>
+        </p:spPr>
+      </p:pic>
     </p:spTree>
     <p:extLst>
       <p:ext uri="{BB962C8B-B14F-4D97-AF65-F5344CB8AC3E}">
-        <p14:creationId xmlns:p14="http://schemas.microsoft.com/office/powerpoint/2010/main" val="2393347689"/>
+        <p14:creationId xmlns:p14="http://schemas.microsoft.com/office/powerpoint/2010/main" val="2298933170"/>
       </p:ext>
     </p:extLst>
   </p:cSld>
